--- a/LTN/Report/img/CLTN_Predicate.pptx
+++ b/LTN/Report/img/CLTN_Predicate.pptx
@@ -2,12 +2,12 @@
 <file path=ppt/presentation.xml><?xml version="1.0" encoding="utf-8"?>
 <p:presentation xmlns:a="http://schemas.openxmlformats.org/drawingml/2006/main" xmlns:r="http://schemas.openxmlformats.org/officeDocument/2006/relationships" xmlns:p="http://schemas.openxmlformats.org/presentationml/2006/main" saveSubsetFonts="1" autoCompressPictures="0">
   <p:sldMasterIdLst>
-    <p:sldMasterId id="2147483672" r:id="rId1"/>
+    <p:sldMasterId id="2147483720" r:id="rId1"/>
   </p:sldMasterIdLst>
   <p:sldIdLst>
     <p:sldId id="256" r:id="rId2"/>
   </p:sldIdLst>
-  <p:sldSz cx="6858000" cy="9144000" type="screen4x3"/>
+  <p:sldSz cx="4572000" cy="10058400"/>
   <p:notesSz cx="9144000" cy="6858000"/>
   <p:defaultTextStyle>
     <a:defPPr>
@@ -107,12 +107,12 @@
   <p:extLst>
     <p:ext uri="{EFAFB233-063F-42B5-8137-9DF3F51BA10A}">
       <p15:sldGuideLst xmlns:p15="http://schemas.microsoft.com/office/powerpoint/2012/main">
-        <p15:guide id="1" orient="horz" pos="2880" userDrawn="1">
+        <p15:guide id="1" orient="horz" pos="3168" userDrawn="1">
           <p15:clr>
             <a:srgbClr val="A4A3A4"/>
           </p15:clr>
         </p15:guide>
-        <p15:guide id="2" pos="2184" userDrawn="1">
+        <p15:guide id="2" pos="1456" userDrawn="1">
           <p15:clr>
             <a:srgbClr val="A4A3A4"/>
           </p15:clr>
@@ -152,15 +152,15 @@
         </p:nvSpPr>
         <p:spPr>
           <a:xfrm>
-            <a:off x="514350" y="1496484"/>
-            <a:ext cx="5829300" cy="3183467"/>
+            <a:off x="342900" y="1646133"/>
+            <a:ext cx="3886200" cy="3501813"/>
           </a:xfrm>
         </p:spPr>
         <p:txBody>
           <a:bodyPr anchor="b"/>
           <a:lstStyle>
             <a:lvl1pPr algn="ctr">
-              <a:defRPr sz="4500"/>
+              <a:defRPr sz="3000"/>
             </a:lvl1pPr>
           </a:lstStyle>
           <a:p>
@@ -184,8 +184,8 @@
         </p:nvSpPr>
         <p:spPr>
           <a:xfrm>
-            <a:off x="857250" y="4802717"/>
-            <a:ext cx="5143500" cy="2207683"/>
+            <a:off x="571500" y="5282989"/>
+            <a:ext cx="3429000" cy="2428451"/>
           </a:xfrm>
         </p:spPr>
         <p:txBody>
@@ -193,39 +193,39 @@
           <a:lstStyle>
             <a:lvl1pPr marL="0" indent="0" algn="ctr">
               <a:buNone/>
-              <a:defRPr sz="1800"/>
+              <a:defRPr sz="1200"/>
             </a:lvl1pPr>
-            <a:lvl2pPr marL="342900" indent="0" algn="ctr">
-              <a:buNone/>
-              <a:defRPr sz="1500"/>
+            <a:lvl2pPr marL="228600" indent="0" algn="ctr">
+              <a:buNone/>
+              <a:defRPr sz="1000"/>
             </a:lvl2pPr>
-            <a:lvl3pPr marL="685800" indent="0" algn="ctr">
-              <a:buNone/>
-              <a:defRPr sz="1350"/>
+            <a:lvl3pPr marL="457200" indent="0" algn="ctr">
+              <a:buNone/>
+              <a:defRPr sz="900"/>
             </a:lvl3pPr>
-            <a:lvl4pPr marL="1028700" indent="0" algn="ctr">
-              <a:buNone/>
-              <a:defRPr sz="1200"/>
+            <a:lvl4pPr marL="685800" indent="0" algn="ctr">
+              <a:buNone/>
+              <a:defRPr sz="800"/>
             </a:lvl4pPr>
-            <a:lvl5pPr marL="1371600" indent="0" algn="ctr">
-              <a:buNone/>
-              <a:defRPr sz="1200"/>
+            <a:lvl5pPr marL="914400" indent="0" algn="ctr">
+              <a:buNone/>
+              <a:defRPr sz="800"/>
             </a:lvl5pPr>
-            <a:lvl6pPr marL="1714500" indent="0" algn="ctr">
-              <a:buNone/>
-              <a:defRPr sz="1200"/>
+            <a:lvl6pPr marL="1143000" indent="0" algn="ctr">
+              <a:buNone/>
+              <a:defRPr sz="800"/>
             </a:lvl6pPr>
-            <a:lvl7pPr marL="2057400" indent="0" algn="ctr">
-              <a:buNone/>
-              <a:defRPr sz="1200"/>
+            <a:lvl7pPr marL="1371600" indent="0" algn="ctr">
+              <a:buNone/>
+              <a:defRPr sz="800"/>
             </a:lvl7pPr>
-            <a:lvl8pPr marL="2400300" indent="0" algn="ctr">
-              <a:buNone/>
-              <a:defRPr sz="1200"/>
+            <a:lvl8pPr marL="1600200" indent="0" algn="ctr">
+              <a:buNone/>
+              <a:defRPr sz="800"/>
             </a:lvl8pPr>
-            <a:lvl9pPr marL="2743200" indent="0" algn="ctr">
-              <a:buNone/>
-              <a:defRPr sz="1200"/>
+            <a:lvl9pPr marL="1828800" indent="0" algn="ctr">
+              <a:buNone/>
+              <a:defRPr sz="800"/>
             </a:lvl9pPr>
           </a:lstStyle>
           <a:p>
@@ -504,8 +504,8 @@
         </p:nvSpPr>
         <p:spPr>
           <a:xfrm>
-            <a:off x="4907757" y="486834"/>
-            <a:ext cx="1478756" cy="7749117"/>
+            <a:off x="3271838" y="535517"/>
+            <a:ext cx="985838" cy="8524029"/>
           </a:xfrm>
         </p:spPr>
         <p:txBody>
@@ -532,8 +532,8 @@
         </p:nvSpPr>
         <p:spPr>
           <a:xfrm>
-            <a:off x="471488" y="486834"/>
-            <a:ext cx="4350544" cy="7749117"/>
+            <a:off x="314325" y="535517"/>
+            <a:ext cx="2900363" cy="8524029"/>
           </a:xfrm>
         </p:spPr>
         <p:txBody>
@@ -844,15 +844,15 @@
         </p:nvSpPr>
         <p:spPr>
           <a:xfrm>
-            <a:off x="467916" y="2279653"/>
-            <a:ext cx="5915025" cy="3803649"/>
+            <a:off x="311944" y="2507618"/>
+            <a:ext cx="3943350" cy="4184014"/>
           </a:xfrm>
         </p:spPr>
         <p:txBody>
           <a:bodyPr anchor="b"/>
           <a:lstStyle>
             <a:lvl1pPr>
-              <a:defRPr sz="4500"/>
+              <a:defRPr sz="3000"/>
             </a:lvl1pPr>
           </a:lstStyle>
           <a:p>
@@ -876,8 +876,8 @@
         </p:nvSpPr>
         <p:spPr>
           <a:xfrm>
-            <a:off x="467916" y="6119286"/>
-            <a:ext cx="5915025" cy="2000249"/>
+            <a:off x="311944" y="6731215"/>
+            <a:ext cx="3943350" cy="2200274"/>
           </a:xfrm>
         </p:spPr>
         <p:txBody>
@@ -885,15 +885,15 @@
           <a:lstStyle>
             <a:lvl1pPr marL="0" indent="0">
               <a:buNone/>
-              <a:defRPr sz="1800">
+              <a:defRPr sz="1200">
                 <a:solidFill>
                   <a:schemeClr val="tx1"/>
                 </a:solidFill>
               </a:defRPr>
             </a:lvl1pPr>
-            <a:lvl2pPr marL="342900" indent="0">
-              <a:buNone/>
-              <a:defRPr sz="1500">
+            <a:lvl2pPr marL="228600" indent="0">
+              <a:buNone/>
+              <a:defRPr sz="1000">
                 <a:solidFill>
                   <a:schemeClr val="tx1">
                     <a:tint val="75000"/>
@@ -901,9 +901,9 @@
                 </a:solidFill>
               </a:defRPr>
             </a:lvl2pPr>
-            <a:lvl3pPr marL="685800" indent="0">
-              <a:buNone/>
-              <a:defRPr sz="1350">
+            <a:lvl3pPr marL="457200" indent="0">
+              <a:buNone/>
+              <a:defRPr sz="900">
                 <a:solidFill>
                   <a:schemeClr val="tx1">
                     <a:tint val="75000"/>
@@ -911,9 +911,9 @@
                 </a:solidFill>
               </a:defRPr>
             </a:lvl3pPr>
-            <a:lvl4pPr marL="1028700" indent="0">
-              <a:buNone/>
-              <a:defRPr sz="1200">
+            <a:lvl4pPr marL="685800" indent="0">
+              <a:buNone/>
+              <a:defRPr sz="800">
                 <a:solidFill>
                   <a:schemeClr val="tx1">
                     <a:tint val="75000"/>
@@ -921,9 +921,9 @@
                 </a:solidFill>
               </a:defRPr>
             </a:lvl4pPr>
-            <a:lvl5pPr marL="1371600" indent="0">
-              <a:buNone/>
-              <a:defRPr sz="1200">
+            <a:lvl5pPr marL="914400" indent="0">
+              <a:buNone/>
+              <a:defRPr sz="800">
                 <a:solidFill>
                   <a:schemeClr val="tx1">
                     <a:tint val="75000"/>
@@ -931,9 +931,9 @@
                 </a:solidFill>
               </a:defRPr>
             </a:lvl5pPr>
-            <a:lvl6pPr marL="1714500" indent="0">
-              <a:buNone/>
-              <a:defRPr sz="1200">
+            <a:lvl6pPr marL="1143000" indent="0">
+              <a:buNone/>
+              <a:defRPr sz="800">
                 <a:solidFill>
                   <a:schemeClr val="tx1">
                     <a:tint val="75000"/>
@@ -941,9 +941,9 @@
                 </a:solidFill>
               </a:defRPr>
             </a:lvl6pPr>
-            <a:lvl7pPr marL="2057400" indent="0">
-              <a:buNone/>
-              <a:defRPr sz="1200">
+            <a:lvl7pPr marL="1371600" indent="0">
+              <a:buNone/>
+              <a:defRPr sz="800">
                 <a:solidFill>
                   <a:schemeClr val="tx1">
                     <a:tint val="75000"/>
@@ -951,9 +951,9 @@
                 </a:solidFill>
               </a:defRPr>
             </a:lvl7pPr>
-            <a:lvl8pPr marL="2400300" indent="0">
-              <a:buNone/>
-              <a:defRPr sz="1200">
+            <a:lvl8pPr marL="1600200" indent="0">
+              <a:buNone/>
+              <a:defRPr sz="800">
                 <a:solidFill>
                   <a:schemeClr val="tx1">
                     <a:tint val="75000"/>
@@ -961,9 +961,9 @@
                 </a:solidFill>
               </a:defRPr>
             </a:lvl8pPr>
-            <a:lvl9pPr marL="2743200" indent="0">
-              <a:buNone/>
-              <a:defRPr sz="1200">
+            <a:lvl9pPr marL="1828800" indent="0">
+              <a:buNone/>
+              <a:defRPr sz="800">
                 <a:solidFill>
                   <a:schemeClr val="tx1">
                     <a:tint val="75000"/>
@@ -1106,8 +1106,8 @@
         </p:nvSpPr>
         <p:spPr>
           <a:xfrm>
-            <a:off x="471488" y="2434167"/>
-            <a:ext cx="2914650" cy="5801784"/>
+            <a:off x="314325" y="2677584"/>
+            <a:ext cx="1943100" cy="6381962"/>
           </a:xfrm>
         </p:spPr>
         <p:txBody>
@@ -1163,8 +1163,8 @@
         </p:nvSpPr>
         <p:spPr>
           <a:xfrm>
-            <a:off x="3471863" y="2434167"/>
-            <a:ext cx="2914650" cy="5801784"/>
+            <a:off x="2314575" y="2677584"/>
+            <a:ext cx="1943100" cy="6381962"/>
           </a:xfrm>
         </p:spPr>
         <p:txBody>
@@ -1310,8 +1310,8 @@
         </p:nvSpPr>
         <p:spPr>
           <a:xfrm>
-            <a:off x="472381" y="486836"/>
-            <a:ext cx="5915025" cy="1767417"/>
+            <a:off x="314921" y="535519"/>
+            <a:ext cx="3943350" cy="1944159"/>
           </a:xfrm>
         </p:spPr>
         <p:txBody>
@@ -1338,8 +1338,8 @@
         </p:nvSpPr>
         <p:spPr>
           <a:xfrm>
-            <a:off x="472381" y="2241551"/>
-            <a:ext cx="2901255" cy="1098549"/>
+            <a:off x="314921" y="2465706"/>
+            <a:ext cx="1934170" cy="1208404"/>
           </a:xfrm>
         </p:spPr>
         <p:txBody>
@@ -1347,39 +1347,39 @@
           <a:lstStyle>
             <a:lvl1pPr marL="0" indent="0">
               <a:buNone/>
-              <a:defRPr sz="1800" b="1"/>
+              <a:defRPr sz="1200" b="1"/>
             </a:lvl1pPr>
-            <a:lvl2pPr marL="342900" indent="0">
-              <a:buNone/>
-              <a:defRPr sz="1500" b="1"/>
+            <a:lvl2pPr marL="228600" indent="0">
+              <a:buNone/>
+              <a:defRPr sz="1000" b="1"/>
             </a:lvl2pPr>
-            <a:lvl3pPr marL="685800" indent="0">
-              <a:buNone/>
-              <a:defRPr sz="1350" b="1"/>
+            <a:lvl3pPr marL="457200" indent="0">
+              <a:buNone/>
+              <a:defRPr sz="900" b="1"/>
             </a:lvl3pPr>
-            <a:lvl4pPr marL="1028700" indent="0">
-              <a:buNone/>
-              <a:defRPr sz="1200" b="1"/>
+            <a:lvl4pPr marL="685800" indent="0">
+              <a:buNone/>
+              <a:defRPr sz="800" b="1"/>
             </a:lvl4pPr>
-            <a:lvl5pPr marL="1371600" indent="0">
-              <a:buNone/>
-              <a:defRPr sz="1200" b="1"/>
+            <a:lvl5pPr marL="914400" indent="0">
+              <a:buNone/>
+              <a:defRPr sz="800" b="1"/>
             </a:lvl5pPr>
-            <a:lvl6pPr marL="1714500" indent="0">
-              <a:buNone/>
-              <a:defRPr sz="1200" b="1"/>
+            <a:lvl6pPr marL="1143000" indent="0">
+              <a:buNone/>
+              <a:defRPr sz="800" b="1"/>
             </a:lvl6pPr>
-            <a:lvl7pPr marL="2057400" indent="0">
-              <a:buNone/>
-              <a:defRPr sz="1200" b="1"/>
+            <a:lvl7pPr marL="1371600" indent="0">
+              <a:buNone/>
+              <a:defRPr sz="800" b="1"/>
             </a:lvl7pPr>
-            <a:lvl8pPr marL="2400300" indent="0">
-              <a:buNone/>
-              <a:defRPr sz="1200" b="1"/>
+            <a:lvl8pPr marL="1600200" indent="0">
+              <a:buNone/>
+              <a:defRPr sz="800" b="1"/>
             </a:lvl8pPr>
-            <a:lvl9pPr marL="2743200" indent="0">
-              <a:buNone/>
-              <a:defRPr sz="1200" b="1"/>
+            <a:lvl9pPr marL="1828800" indent="0">
+              <a:buNone/>
+              <a:defRPr sz="800" b="1"/>
             </a:lvl9pPr>
           </a:lstStyle>
           <a:p>
@@ -1403,8 +1403,8 @@
         </p:nvSpPr>
         <p:spPr>
           <a:xfrm>
-            <a:off x="472381" y="3340100"/>
-            <a:ext cx="2901255" cy="4912784"/>
+            <a:off x="314921" y="3674110"/>
+            <a:ext cx="1934170" cy="5404062"/>
           </a:xfrm>
         </p:spPr>
         <p:txBody>
@@ -1460,8 +1460,8 @@
         </p:nvSpPr>
         <p:spPr>
           <a:xfrm>
-            <a:off x="3471863" y="2241551"/>
-            <a:ext cx="2915543" cy="1098549"/>
+            <a:off x="2314575" y="2465706"/>
+            <a:ext cx="1943696" cy="1208404"/>
           </a:xfrm>
         </p:spPr>
         <p:txBody>
@@ -1469,39 +1469,39 @@
           <a:lstStyle>
             <a:lvl1pPr marL="0" indent="0">
               <a:buNone/>
-              <a:defRPr sz="1800" b="1"/>
+              <a:defRPr sz="1200" b="1"/>
             </a:lvl1pPr>
-            <a:lvl2pPr marL="342900" indent="0">
-              <a:buNone/>
-              <a:defRPr sz="1500" b="1"/>
+            <a:lvl2pPr marL="228600" indent="0">
+              <a:buNone/>
+              <a:defRPr sz="1000" b="1"/>
             </a:lvl2pPr>
-            <a:lvl3pPr marL="685800" indent="0">
-              <a:buNone/>
-              <a:defRPr sz="1350" b="1"/>
+            <a:lvl3pPr marL="457200" indent="0">
+              <a:buNone/>
+              <a:defRPr sz="900" b="1"/>
             </a:lvl3pPr>
-            <a:lvl4pPr marL="1028700" indent="0">
-              <a:buNone/>
-              <a:defRPr sz="1200" b="1"/>
+            <a:lvl4pPr marL="685800" indent="0">
+              <a:buNone/>
+              <a:defRPr sz="800" b="1"/>
             </a:lvl4pPr>
-            <a:lvl5pPr marL="1371600" indent="0">
-              <a:buNone/>
-              <a:defRPr sz="1200" b="1"/>
+            <a:lvl5pPr marL="914400" indent="0">
+              <a:buNone/>
+              <a:defRPr sz="800" b="1"/>
             </a:lvl5pPr>
-            <a:lvl6pPr marL="1714500" indent="0">
-              <a:buNone/>
-              <a:defRPr sz="1200" b="1"/>
+            <a:lvl6pPr marL="1143000" indent="0">
+              <a:buNone/>
+              <a:defRPr sz="800" b="1"/>
             </a:lvl6pPr>
-            <a:lvl7pPr marL="2057400" indent="0">
-              <a:buNone/>
-              <a:defRPr sz="1200" b="1"/>
+            <a:lvl7pPr marL="1371600" indent="0">
+              <a:buNone/>
+              <a:defRPr sz="800" b="1"/>
             </a:lvl7pPr>
-            <a:lvl8pPr marL="2400300" indent="0">
-              <a:buNone/>
-              <a:defRPr sz="1200" b="1"/>
+            <a:lvl8pPr marL="1600200" indent="0">
+              <a:buNone/>
+              <a:defRPr sz="800" b="1"/>
             </a:lvl8pPr>
-            <a:lvl9pPr marL="2743200" indent="0">
-              <a:buNone/>
-              <a:defRPr sz="1200" b="1"/>
+            <a:lvl9pPr marL="1828800" indent="0">
+              <a:buNone/>
+              <a:defRPr sz="800" b="1"/>
             </a:lvl9pPr>
           </a:lstStyle>
           <a:p>
@@ -1525,8 +1525,8 @@
         </p:nvSpPr>
         <p:spPr>
           <a:xfrm>
-            <a:off x="3471863" y="3340100"/>
-            <a:ext cx="2915543" cy="4912784"/>
+            <a:off x="2314575" y="3674110"/>
+            <a:ext cx="1943696" cy="5404062"/>
           </a:xfrm>
         </p:spPr>
         <p:txBody>
@@ -1875,15 +1875,15 @@
         </p:nvSpPr>
         <p:spPr>
           <a:xfrm>
-            <a:off x="472381" y="609600"/>
-            <a:ext cx="2211884" cy="2133600"/>
+            <a:off x="314921" y="670560"/>
+            <a:ext cx="1474589" cy="2346960"/>
           </a:xfrm>
         </p:spPr>
         <p:txBody>
           <a:bodyPr anchor="b"/>
           <a:lstStyle>
             <a:lvl1pPr>
-              <a:defRPr sz="2400"/>
+              <a:defRPr sz="1600"/>
             </a:lvl1pPr>
           </a:lstStyle>
           <a:p>
@@ -1907,39 +1907,39 @@
         </p:nvSpPr>
         <p:spPr>
           <a:xfrm>
-            <a:off x="2915543" y="1316569"/>
-            <a:ext cx="3471863" cy="6498167"/>
+            <a:off x="1943695" y="1448226"/>
+            <a:ext cx="2314575" cy="7147983"/>
           </a:xfrm>
         </p:spPr>
         <p:txBody>
           <a:bodyPr/>
           <a:lstStyle>
             <a:lvl1pPr>
-              <a:defRPr sz="2400"/>
+              <a:defRPr sz="1600"/>
             </a:lvl1pPr>
             <a:lvl2pPr>
-              <a:defRPr sz="2100"/>
+              <a:defRPr sz="1400"/>
             </a:lvl2pPr>
             <a:lvl3pPr>
-              <a:defRPr sz="1800"/>
+              <a:defRPr sz="1200"/>
             </a:lvl3pPr>
             <a:lvl4pPr>
-              <a:defRPr sz="1500"/>
+              <a:defRPr sz="1000"/>
             </a:lvl4pPr>
             <a:lvl5pPr>
-              <a:defRPr sz="1500"/>
+              <a:defRPr sz="1000"/>
             </a:lvl5pPr>
             <a:lvl6pPr>
-              <a:defRPr sz="1500"/>
+              <a:defRPr sz="1000"/>
             </a:lvl6pPr>
             <a:lvl7pPr>
-              <a:defRPr sz="1500"/>
+              <a:defRPr sz="1000"/>
             </a:lvl7pPr>
             <a:lvl8pPr>
-              <a:defRPr sz="1500"/>
+              <a:defRPr sz="1000"/>
             </a:lvl8pPr>
             <a:lvl9pPr>
-              <a:defRPr sz="1500"/>
+              <a:defRPr sz="1000"/>
             </a:lvl9pPr>
           </a:lstStyle>
           <a:p>
@@ -1992,8 +1992,8 @@
         </p:nvSpPr>
         <p:spPr>
           <a:xfrm>
-            <a:off x="472381" y="2743200"/>
-            <a:ext cx="2211884" cy="5082117"/>
+            <a:off x="314921" y="3017520"/>
+            <a:ext cx="1474589" cy="5590329"/>
           </a:xfrm>
         </p:spPr>
         <p:txBody>
@@ -2001,39 +2001,39 @@
           <a:lstStyle>
             <a:lvl1pPr marL="0" indent="0">
               <a:buNone/>
-              <a:defRPr sz="1200"/>
+              <a:defRPr sz="800"/>
             </a:lvl1pPr>
-            <a:lvl2pPr marL="342900" indent="0">
-              <a:buNone/>
-              <a:defRPr sz="1050"/>
+            <a:lvl2pPr marL="228600" indent="0">
+              <a:buNone/>
+              <a:defRPr sz="700"/>
             </a:lvl2pPr>
-            <a:lvl3pPr marL="685800" indent="0">
-              <a:buNone/>
-              <a:defRPr sz="900"/>
+            <a:lvl3pPr marL="457200" indent="0">
+              <a:buNone/>
+              <a:defRPr sz="600"/>
             </a:lvl3pPr>
-            <a:lvl4pPr marL="1028700" indent="0">
-              <a:buNone/>
-              <a:defRPr sz="750"/>
+            <a:lvl4pPr marL="685800" indent="0">
+              <a:buNone/>
+              <a:defRPr sz="500"/>
             </a:lvl4pPr>
-            <a:lvl5pPr marL="1371600" indent="0">
-              <a:buNone/>
-              <a:defRPr sz="750"/>
+            <a:lvl5pPr marL="914400" indent="0">
+              <a:buNone/>
+              <a:defRPr sz="500"/>
             </a:lvl5pPr>
-            <a:lvl6pPr marL="1714500" indent="0">
-              <a:buNone/>
-              <a:defRPr sz="750"/>
+            <a:lvl6pPr marL="1143000" indent="0">
+              <a:buNone/>
+              <a:defRPr sz="500"/>
             </a:lvl6pPr>
-            <a:lvl7pPr marL="2057400" indent="0">
-              <a:buNone/>
-              <a:defRPr sz="750"/>
+            <a:lvl7pPr marL="1371600" indent="0">
+              <a:buNone/>
+              <a:defRPr sz="500"/>
             </a:lvl7pPr>
-            <a:lvl8pPr marL="2400300" indent="0">
-              <a:buNone/>
-              <a:defRPr sz="750"/>
+            <a:lvl8pPr marL="1600200" indent="0">
+              <a:buNone/>
+              <a:defRPr sz="500"/>
             </a:lvl8pPr>
-            <a:lvl9pPr marL="2743200" indent="0">
-              <a:buNone/>
-              <a:defRPr sz="750"/>
+            <a:lvl9pPr marL="1828800" indent="0">
+              <a:buNone/>
+              <a:defRPr sz="500"/>
             </a:lvl9pPr>
           </a:lstStyle>
           <a:p>
@@ -2147,15 +2147,15 @@
         </p:nvSpPr>
         <p:spPr>
           <a:xfrm>
-            <a:off x="472381" y="609600"/>
-            <a:ext cx="2211884" cy="2133600"/>
+            <a:off x="314921" y="670560"/>
+            <a:ext cx="1474589" cy="2346960"/>
           </a:xfrm>
         </p:spPr>
         <p:txBody>
           <a:bodyPr anchor="b"/>
           <a:lstStyle>
             <a:lvl1pPr>
-              <a:defRPr sz="2400"/>
+              <a:defRPr sz="1600"/>
             </a:lvl1pPr>
           </a:lstStyle>
           <a:p>
@@ -2179,8 +2179,8 @@
         </p:nvSpPr>
         <p:spPr>
           <a:xfrm>
-            <a:off x="2915543" y="1316569"/>
-            <a:ext cx="3471863" cy="6498167"/>
+            <a:off x="1943695" y="1448226"/>
+            <a:ext cx="2314575" cy="7147983"/>
           </a:xfrm>
         </p:spPr>
         <p:txBody>
@@ -2188,39 +2188,39 @@
           <a:lstStyle>
             <a:lvl1pPr marL="0" indent="0">
               <a:buNone/>
-              <a:defRPr sz="2400"/>
+              <a:defRPr sz="1600"/>
             </a:lvl1pPr>
-            <a:lvl2pPr marL="342900" indent="0">
-              <a:buNone/>
-              <a:defRPr sz="2100"/>
+            <a:lvl2pPr marL="228600" indent="0">
+              <a:buNone/>
+              <a:defRPr sz="1400"/>
             </a:lvl2pPr>
-            <a:lvl3pPr marL="685800" indent="0">
-              <a:buNone/>
-              <a:defRPr sz="1800"/>
+            <a:lvl3pPr marL="457200" indent="0">
+              <a:buNone/>
+              <a:defRPr sz="1200"/>
             </a:lvl3pPr>
-            <a:lvl4pPr marL="1028700" indent="0">
-              <a:buNone/>
-              <a:defRPr sz="1500"/>
+            <a:lvl4pPr marL="685800" indent="0">
+              <a:buNone/>
+              <a:defRPr sz="1000"/>
             </a:lvl4pPr>
-            <a:lvl5pPr marL="1371600" indent="0">
-              <a:buNone/>
-              <a:defRPr sz="1500"/>
+            <a:lvl5pPr marL="914400" indent="0">
+              <a:buNone/>
+              <a:defRPr sz="1000"/>
             </a:lvl5pPr>
-            <a:lvl6pPr marL="1714500" indent="0">
-              <a:buNone/>
-              <a:defRPr sz="1500"/>
+            <a:lvl6pPr marL="1143000" indent="0">
+              <a:buNone/>
+              <a:defRPr sz="1000"/>
             </a:lvl6pPr>
-            <a:lvl7pPr marL="2057400" indent="0">
-              <a:buNone/>
-              <a:defRPr sz="1500"/>
+            <a:lvl7pPr marL="1371600" indent="0">
+              <a:buNone/>
+              <a:defRPr sz="1000"/>
             </a:lvl7pPr>
-            <a:lvl8pPr marL="2400300" indent="0">
-              <a:buNone/>
-              <a:defRPr sz="1500"/>
+            <a:lvl8pPr marL="1600200" indent="0">
+              <a:buNone/>
+              <a:defRPr sz="1000"/>
             </a:lvl8pPr>
-            <a:lvl9pPr marL="2743200" indent="0">
-              <a:buNone/>
-              <a:defRPr sz="1500"/>
+            <a:lvl9pPr marL="1828800" indent="0">
+              <a:buNone/>
+              <a:defRPr sz="1000"/>
             </a:lvl9pPr>
           </a:lstStyle>
           <a:p>
@@ -2244,8 +2244,8 @@
         </p:nvSpPr>
         <p:spPr>
           <a:xfrm>
-            <a:off x="472381" y="2743200"/>
-            <a:ext cx="2211884" cy="5082117"/>
+            <a:off x="314921" y="3017520"/>
+            <a:ext cx="1474589" cy="5590329"/>
           </a:xfrm>
         </p:spPr>
         <p:txBody>
@@ -2253,39 +2253,39 @@
           <a:lstStyle>
             <a:lvl1pPr marL="0" indent="0">
               <a:buNone/>
-              <a:defRPr sz="1200"/>
+              <a:defRPr sz="800"/>
             </a:lvl1pPr>
-            <a:lvl2pPr marL="342900" indent="0">
-              <a:buNone/>
-              <a:defRPr sz="1050"/>
+            <a:lvl2pPr marL="228600" indent="0">
+              <a:buNone/>
+              <a:defRPr sz="700"/>
             </a:lvl2pPr>
-            <a:lvl3pPr marL="685800" indent="0">
-              <a:buNone/>
-              <a:defRPr sz="900"/>
+            <a:lvl3pPr marL="457200" indent="0">
+              <a:buNone/>
+              <a:defRPr sz="600"/>
             </a:lvl3pPr>
-            <a:lvl4pPr marL="1028700" indent="0">
-              <a:buNone/>
-              <a:defRPr sz="750"/>
+            <a:lvl4pPr marL="685800" indent="0">
+              <a:buNone/>
+              <a:defRPr sz="500"/>
             </a:lvl4pPr>
-            <a:lvl5pPr marL="1371600" indent="0">
-              <a:buNone/>
-              <a:defRPr sz="750"/>
+            <a:lvl5pPr marL="914400" indent="0">
+              <a:buNone/>
+              <a:defRPr sz="500"/>
             </a:lvl5pPr>
-            <a:lvl6pPr marL="1714500" indent="0">
-              <a:buNone/>
-              <a:defRPr sz="750"/>
+            <a:lvl6pPr marL="1143000" indent="0">
+              <a:buNone/>
+              <a:defRPr sz="500"/>
             </a:lvl6pPr>
-            <a:lvl7pPr marL="2057400" indent="0">
-              <a:buNone/>
-              <a:defRPr sz="750"/>
+            <a:lvl7pPr marL="1371600" indent="0">
+              <a:buNone/>
+              <a:defRPr sz="500"/>
             </a:lvl7pPr>
-            <a:lvl8pPr marL="2400300" indent="0">
-              <a:buNone/>
-              <a:defRPr sz="750"/>
+            <a:lvl8pPr marL="1600200" indent="0">
+              <a:buNone/>
+              <a:defRPr sz="500"/>
             </a:lvl8pPr>
-            <a:lvl9pPr marL="2743200" indent="0">
-              <a:buNone/>
-              <a:defRPr sz="750"/>
+            <a:lvl9pPr marL="1828800" indent="0">
+              <a:buNone/>
+              <a:defRPr sz="500"/>
             </a:lvl9pPr>
           </a:lstStyle>
           <a:p>
@@ -2404,8 +2404,8 @@
         </p:nvSpPr>
         <p:spPr>
           <a:xfrm>
-            <a:off x="471488" y="486836"/>
-            <a:ext cx="5915025" cy="1767417"/>
+            <a:off x="314325" y="535519"/>
+            <a:ext cx="3943350" cy="1944159"/>
           </a:xfrm>
           <a:prstGeom prst="rect">
             <a:avLst/>
@@ -2437,8 +2437,8 @@
         </p:nvSpPr>
         <p:spPr>
           <a:xfrm>
-            <a:off x="471488" y="2434167"/>
-            <a:ext cx="5915025" cy="5801784"/>
+            <a:off x="314325" y="2677584"/>
+            <a:ext cx="3943350" cy="6381962"/>
           </a:xfrm>
           <a:prstGeom prst="rect">
             <a:avLst/>
@@ -2499,8 +2499,8 @@
         </p:nvSpPr>
         <p:spPr>
           <a:xfrm>
-            <a:off x="471488" y="8475136"/>
-            <a:ext cx="1543050" cy="486833"/>
+            <a:off x="314325" y="9322649"/>
+            <a:ext cx="1028700" cy="535517"/>
           </a:xfrm>
           <a:prstGeom prst="rect">
             <a:avLst/>
@@ -2510,7 +2510,7 @@
           <a:bodyPr vert="horz" lIns="91440" tIns="45720" rIns="91440" bIns="45720" rtlCol="0" anchor="ctr"/>
           <a:lstStyle>
             <a:lvl1pPr algn="l">
-              <a:defRPr sz="900">
+              <a:defRPr sz="600">
                 <a:solidFill>
                   <a:schemeClr val="tx1">
                     <a:tint val="75000"/>
@@ -2540,8 +2540,8 @@
         </p:nvSpPr>
         <p:spPr>
           <a:xfrm>
-            <a:off x="2271713" y="8475136"/>
-            <a:ext cx="2314575" cy="486833"/>
+            <a:off x="1514475" y="9322649"/>
+            <a:ext cx="1543050" cy="535517"/>
           </a:xfrm>
           <a:prstGeom prst="rect">
             <a:avLst/>
@@ -2551,7 +2551,7 @@
           <a:bodyPr vert="horz" lIns="91440" tIns="45720" rIns="91440" bIns="45720" rtlCol="0" anchor="ctr"/>
           <a:lstStyle>
             <a:lvl1pPr algn="ctr">
-              <a:defRPr sz="900">
+              <a:defRPr sz="600">
                 <a:solidFill>
                   <a:schemeClr val="tx1">
                     <a:tint val="75000"/>
@@ -2577,8 +2577,8 @@
         </p:nvSpPr>
         <p:spPr>
           <a:xfrm>
-            <a:off x="4843463" y="8475136"/>
-            <a:ext cx="1543050" cy="486833"/>
+            <a:off x="3228975" y="9322649"/>
+            <a:ext cx="1028700" cy="535517"/>
           </a:xfrm>
           <a:prstGeom prst="rect">
             <a:avLst/>
@@ -2588,7 +2588,7 @@
           <a:bodyPr vert="horz" lIns="91440" tIns="45720" rIns="91440" bIns="45720" rtlCol="0" anchor="ctr"/>
           <a:lstStyle>
             <a:lvl1pPr algn="r">
-              <a:defRPr sz="900">
+              <a:defRPr sz="600">
                 <a:solidFill>
                   <a:schemeClr val="tx1">
                     <a:tint val="75000"/>
@@ -2609,27 +2609,27 @@
     </p:spTree>
     <p:extLst>
       <p:ext uri="{BB962C8B-B14F-4D97-AF65-F5344CB8AC3E}">
-        <p14:creationId xmlns:p14="http://schemas.microsoft.com/office/powerpoint/2010/main" val="1265472638"/>
+        <p14:creationId xmlns:p14="http://schemas.microsoft.com/office/powerpoint/2010/main" val="50303325"/>
       </p:ext>
     </p:extLst>
   </p:cSld>
   <p:clrMap bg1="lt1" tx1="dk1" bg2="lt2" tx2="dk2" accent1="accent1" accent2="accent2" accent3="accent3" accent4="accent4" accent5="accent5" accent6="accent6" hlink="hlink" folHlink="folHlink"/>
   <p:sldLayoutIdLst>
-    <p:sldLayoutId id="2147483673" r:id="rId1"/>
-    <p:sldLayoutId id="2147483674" r:id="rId2"/>
-    <p:sldLayoutId id="2147483675" r:id="rId3"/>
-    <p:sldLayoutId id="2147483676" r:id="rId4"/>
-    <p:sldLayoutId id="2147483677" r:id="rId5"/>
-    <p:sldLayoutId id="2147483678" r:id="rId6"/>
-    <p:sldLayoutId id="2147483679" r:id="rId7"/>
-    <p:sldLayoutId id="2147483680" r:id="rId8"/>
-    <p:sldLayoutId id="2147483681" r:id="rId9"/>
-    <p:sldLayoutId id="2147483682" r:id="rId10"/>
-    <p:sldLayoutId id="2147483683" r:id="rId11"/>
+    <p:sldLayoutId id="2147483721" r:id="rId1"/>
+    <p:sldLayoutId id="2147483722" r:id="rId2"/>
+    <p:sldLayoutId id="2147483723" r:id="rId3"/>
+    <p:sldLayoutId id="2147483724" r:id="rId4"/>
+    <p:sldLayoutId id="2147483725" r:id="rId5"/>
+    <p:sldLayoutId id="2147483726" r:id="rId6"/>
+    <p:sldLayoutId id="2147483727" r:id="rId7"/>
+    <p:sldLayoutId id="2147483728" r:id="rId8"/>
+    <p:sldLayoutId id="2147483729" r:id="rId9"/>
+    <p:sldLayoutId id="2147483730" r:id="rId10"/>
+    <p:sldLayoutId id="2147483731" r:id="rId11"/>
   </p:sldLayoutIdLst>
   <p:txStyles>
     <p:titleStyle>
-      <a:lvl1pPr algn="l" defTabSz="685800" rtl="0" eaLnBrk="1" latinLnBrk="0" hangingPunct="1">
+      <a:lvl1pPr algn="l" defTabSz="457200" rtl="0" eaLnBrk="1" latinLnBrk="0" hangingPunct="1">
         <a:lnSpc>
           <a:spcPct val="90000"/>
         </a:lnSpc>
@@ -2637,7 +2637,7 @@
           <a:spcPct val="0"/>
         </a:spcBef>
         <a:buNone/>
-        <a:defRPr sz="3300" kern="1200">
+        <a:defRPr sz="2200" kern="1200">
           <a:solidFill>
             <a:schemeClr val="tx1"/>
           </a:solidFill>
@@ -2648,16 +2648,16 @@
       </a:lvl1pPr>
     </p:titleStyle>
     <p:bodyStyle>
-      <a:lvl1pPr marL="171450" indent="-171450" algn="l" defTabSz="685800" rtl="0" eaLnBrk="1" latinLnBrk="0" hangingPunct="1">
+      <a:lvl1pPr marL="114300" indent="-114300" algn="l" defTabSz="457200" rtl="0" eaLnBrk="1" latinLnBrk="0" hangingPunct="1">
         <a:lnSpc>
           <a:spcPct val="90000"/>
         </a:lnSpc>
         <a:spcBef>
-          <a:spcPts val="750"/>
+          <a:spcPts val="500"/>
         </a:spcBef>
         <a:buFont typeface="Arial" panose="020B0604020202020204" pitchFamily="34" charset="0"/>
         <a:buChar char="•"/>
-        <a:defRPr sz="2100" kern="1200">
+        <a:defRPr sz="1400" kern="1200">
           <a:solidFill>
             <a:schemeClr val="tx1"/>
           </a:solidFill>
@@ -2666,16 +2666,16 @@
           <a:cs typeface="+mn-cs"/>
         </a:defRPr>
       </a:lvl1pPr>
-      <a:lvl2pPr marL="514350" indent="-171450" algn="l" defTabSz="685800" rtl="0" eaLnBrk="1" latinLnBrk="0" hangingPunct="1">
+      <a:lvl2pPr marL="342900" indent="-114300" algn="l" defTabSz="457200" rtl="0" eaLnBrk="1" latinLnBrk="0" hangingPunct="1">
         <a:lnSpc>
           <a:spcPct val="90000"/>
         </a:lnSpc>
         <a:spcBef>
-          <a:spcPts val="375"/>
+          <a:spcPts val="250"/>
         </a:spcBef>
         <a:buFont typeface="Arial" panose="020B0604020202020204" pitchFamily="34" charset="0"/>
         <a:buChar char="•"/>
-        <a:defRPr sz="1800" kern="1200">
+        <a:defRPr sz="1200" kern="1200">
           <a:solidFill>
             <a:schemeClr val="tx1"/>
           </a:solidFill>
@@ -2684,16 +2684,16 @@
           <a:cs typeface="+mn-cs"/>
         </a:defRPr>
       </a:lvl2pPr>
-      <a:lvl3pPr marL="857250" indent="-171450" algn="l" defTabSz="685800" rtl="0" eaLnBrk="1" latinLnBrk="0" hangingPunct="1">
+      <a:lvl3pPr marL="571500" indent="-114300" algn="l" defTabSz="457200" rtl="0" eaLnBrk="1" latinLnBrk="0" hangingPunct="1">
         <a:lnSpc>
           <a:spcPct val="90000"/>
         </a:lnSpc>
         <a:spcBef>
-          <a:spcPts val="375"/>
+          <a:spcPts val="250"/>
         </a:spcBef>
         <a:buFont typeface="Arial" panose="020B0604020202020204" pitchFamily="34" charset="0"/>
         <a:buChar char="•"/>
-        <a:defRPr sz="1500" kern="1200">
+        <a:defRPr sz="1000" kern="1200">
           <a:solidFill>
             <a:schemeClr val="tx1"/>
           </a:solidFill>
@@ -2702,16 +2702,16 @@
           <a:cs typeface="+mn-cs"/>
         </a:defRPr>
       </a:lvl3pPr>
-      <a:lvl4pPr marL="1200150" indent="-171450" algn="l" defTabSz="685800" rtl="0" eaLnBrk="1" latinLnBrk="0" hangingPunct="1">
+      <a:lvl4pPr marL="800100" indent="-114300" algn="l" defTabSz="457200" rtl="0" eaLnBrk="1" latinLnBrk="0" hangingPunct="1">
         <a:lnSpc>
           <a:spcPct val="90000"/>
         </a:lnSpc>
         <a:spcBef>
-          <a:spcPts val="375"/>
+          <a:spcPts val="250"/>
         </a:spcBef>
         <a:buFont typeface="Arial" panose="020B0604020202020204" pitchFamily="34" charset="0"/>
         <a:buChar char="•"/>
-        <a:defRPr sz="1350" kern="1200">
+        <a:defRPr sz="900" kern="1200">
           <a:solidFill>
             <a:schemeClr val="tx1"/>
           </a:solidFill>
@@ -2720,16 +2720,16 @@
           <a:cs typeface="+mn-cs"/>
         </a:defRPr>
       </a:lvl4pPr>
-      <a:lvl5pPr marL="1543050" indent="-171450" algn="l" defTabSz="685800" rtl="0" eaLnBrk="1" latinLnBrk="0" hangingPunct="1">
+      <a:lvl5pPr marL="1028700" indent="-114300" algn="l" defTabSz="457200" rtl="0" eaLnBrk="1" latinLnBrk="0" hangingPunct="1">
         <a:lnSpc>
           <a:spcPct val="90000"/>
         </a:lnSpc>
         <a:spcBef>
-          <a:spcPts val="375"/>
+          <a:spcPts val="250"/>
         </a:spcBef>
         <a:buFont typeface="Arial" panose="020B0604020202020204" pitchFamily="34" charset="0"/>
         <a:buChar char="•"/>
-        <a:defRPr sz="1350" kern="1200">
+        <a:defRPr sz="900" kern="1200">
           <a:solidFill>
             <a:schemeClr val="tx1"/>
           </a:solidFill>
@@ -2738,16 +2738,16 @@
           <a:cs typeface="+mn-cs"/>
         </a:defRPr>
       </a:lvl5pPr>
-      <a:lvl6pPr marL="1885950" indent="-171450" algn="l" defTabSz="685800" rtl="0" eaLnBrk="1" latinLnBrk="0" hangingPunct="1">
+      <a:lvl6pPr marL="1257300" indent="-114300" algn="l" defTabSz="457200" rtl="0" eaLnBrk="1" latinLnBrk="0" hangingPunct="1">
         <a:lnSpc>
           <a:spcPct val="90000"/>
         </a:lnSpc>
         <a:spcBef>
-          <a:spcPts val="375"/>
+          <a:spcPts val="250"/>
         </a:spcBef>
         <a:buFont typeface="Arial" panose="020B0604020202020204" pitchFamily="34" charset="0"/>
         <a:buChar char="•"/>
-        <a:defRPr sz="1350" kern="1200">
+        <a:defRPr sz="900" kern="1200">
           <a:solidFill>
             <a:schemeClr val="tx1"/>
           </a:solidFill>
@@ -2756,16 +2756,16 @@
           <a:cs typeface="+mn-cs"/>
         </a:defRPr>
       </a:lvl6pPr>
-      <a:lvl7pPr marL="2228850" indent="-171450" algn="l" defTabSz="685800" rtl="0" eaLnBrk="1" latinLnBrk="0" hangingPunct="1">
+      <a:lvl7pPr marL="1485900" indent="-114300" algn="l" defTabSz="457200" rtl="0" eaLnBrk="1" latinLnBrk="0" hangingPunct="1">
         <a:lnSpc>
           <a:spcPct val="90000"/>
         </a:lnSpc>
         <a:spcBef>
-          <a:spcPts val="375"/>
+          <a:spcPts val="250"/>
         </a:spcBef>
         <a:buFont typeface="Arial" panose="020B0604020202020204" pitchFamily="34" charset="0"/>
         <a:buChar char="•"/>
-        <a:defRPr sz="1350" kern="1200">
+        <a:defRPr sz="900" kern="1200">
           <a:solidFill>
             <a:schemeClr val="tx1"/>
           </a:solidFill>
@@ -2774,16 +2774,16 @@
           <a:cs typeface="+mn-cs"/>
         </a:defRPr>
       </a:lvl7pPr>
-      <a:lvl8pPr marL="2571750" indent="-171450" algn="l" defTabSz="685800" rtl="0" eaLnBrk="1" latinLnBrk="0" hangingPunct="1">
+      <a:lvl8pPr marL="1714500" indent="-114300" algn="l" defTabSz="457200" rtl="0" eaLnBrk="1" latinLnBrk="0" hangingPunct="1">
         <a:lnSpc>
           <a:spcPct val="90000"/>
         </a:lnSpc>
         <a:spcBef>
-          <a:spcPts val="375"/>
+          <a:spcPts val="250"/>
         </a:spcBef>
         <a:buFont typeface="Arial" panose="020B0604020202020204" pitchFamily="34" charset="0"/>
         <a:buChar char="•"/>
-        <a:defRPr sz="1350" kern="1200">
+        <a:defRPr sz="900" kern="1200">
           <a:solidFill>
             <a:schemeClr val="tx1"/>
           </a:solidFill>
@@ -2792,16 +2792,16 @@
           <a:cs typeface="+mn-cs"/>
         </a:defRPr>
       </a:lvl8pPr>
-      <a:lvl9pPr marL="2914650" indent="-171450" algn="l" defTabSz="685800" rtl="0" eaLnBrk="1" latinLnBrk="0" hangingPunct="1">
+      <a:lvl9pPr marL="1943100" indent="-114300" algn="l" defTabSz="457200" rtl="0" eaLnBrk="1" latinLnBrk="0" hangingPunct="1">
         <a:lnSpc>
           <a:spcPct val="90000"/>
         </a:lnSpc>
         <a:spcBef>
-          <a:spcPts val="375"/>
+          <a:spcPts val="250"/>
         </a:spcBef>
         <a:buFont typeface="Arial" panose="020B0604020202020204" pitchFamily="34" charset="0"/>
         <a:buChar char="•"/>
-        <a:defRPr sz="1350" kern="1200">
+        <a:defRPr sz="900" kern="1200">
           <a:solidFill>
             <a:schemeClr val="tx1"/>
           </a:solidFill>
@@ -2815,8 +2815,8 @@
       <a:defPPr>
         <a:defRPr lang="en-US"/>
       </a:defPPr>
-      <a:lvl1pPr marL="0" algn="l" defTabSz="685800" rtl="0" eaLnBrk="1" latinLnBrk="0" hangingPunct="1">
-        <a:defRPr sz="1350" kern="1200">
+      <a:lvl1pPr marL="0" algn="l" defTabSz="457200" rtl="0" eaLnBrk="1" latinLnBrk="0" hangingPunct="1">
+        <a:defRPr sz="900" kern="1200">
           <a:solidFill>
             <a:schemeClr val="tx1"/>
           </a:solidFill>
@@ -2825,8 +2825,8 @@
           <a:cs typeface="+mn-cs"/>
         </a:defRPr>
       </a:lvl1pPr>
-      <a:lvl2pPr marL="342900" algn="l" defTabSz="685800" rtl="0" eaLnBrk="1" latinLnBrk="0" hangingPunct="1">
-        <a:defRPr sz="1350" kern="1200">
+      <a:lvl2pPr marL="228600" algn="l" defTabSz="457200" rtl="0" eaLnBrk="1" latinLnBrk="0" hangingPunct="1">
+        <a:defRPr sz="900" kern="1200">
           <a:solidFill>
             <a:schemeClr val="tx1"/>
           </a:solidFill>
@@ -2835,8 +2835,8 @@
           <a:cs typeface="+mn-cs"/>
         </a:defRPr>
       </a:lvl2pPr>
-      <a:lvl3pPr marL="685800" algn="l" defTabSz="685800" rtl="0" eaLnBrk="1" latinLnBrk="0" hangingPunct="1">
-        <a:defRPr sz="1350" kern="1200">
+      <a:lvl3pPr marL="457200" algn="l" defTabSz="457200" rtl="0" eaLnBrk="1" latinLnBrk="0" hangingPunct="1">
+        <a:defRPr sz="900" kern="1200">
           <a:solidFill>
             <a:schemeClr val="tx1"/>
           </a:solidFill>
@@ -2845,8 +2845,8 @@
           <a:cs typeface="+mn-cs"/>
         </a:defRPr>
       </a:lvl3pPr>
-      <a:lvl4pPr marL="1028700" algn="l" defTabSz="685800" rtl="0" eaLnBrk="1" latinLnBrk="0" hangingPunct="1">
-        <a:defRPr sz="1350" kern="1200">
+      <a:lvl4pPr marL="685800" algn="l" defTabSz="457200" rtl="0" eaLnBrk="1" latinLnBrk="0" hangingPunct="1">
+        <a:defRPr sz="900" kern="1200">
           <a:solidFill>
             <a:schemeClr val="tx1"/>
           </a:solidFill>
@@ -2855,8 +2855,8 @@
           <a:cs typeface="+mn-cs"/>
         </a:defRPr>
       </a:lvl4pPr>
-      <a:lvl5pPr marL="1371600" algn="l" defTabSz="685800" rtl="0" eaLnBrk="1" latinLnBrk="0" hangingPunct="1">
-        <a:defRPr sz="1350" kern="1200">
+      <a:lvl5pPr marL="914400" algn="l" defTabSz="457200" rtl="0" eaLnBrk="1" latinLnBrk="0" hangingPunct="1">
+        <a:defRPr sz="900" kern="1200">
           <a:solidFill>
             <a:schemeClr val="tx1"/>
           </a:solidFill>
@@ -2865,8 +2865,8 @@
           <a:cs typeface="+mn-cs"/>
         </a:defRPr>
       </a:lvl5pPr>
-      <a:lvl6pPr marL="1714500" algn="l" defTabSz="685800" rtl="0" eaLnBrk="1" latinLnBrk="0" hangingPunct="1">
-        <a:defRPr sz="1350" kern="1200">
+      <a:lvl6pPr marL="1143000" algn="l" defTabSz="457200" rtl="0" eaLnBrk="1" latinLnBrk="0" hangingPunct="1">
+        <a:defRPr sz="900" kern="1200">
           <a:solidFill>
             <a:schemeClr val="tx1"/>
           </a:solidFill>
@@ -2875,8 +2875,8 @@
           <a:cs typeface="+mn-cs"/>
         </a:defRPr>
       </a:lvl6pPr>
-      <a:lvl7pPr marL="2057400" algn="l" defTabSz="685800" rtl="0" eaLnBrk="1" latinLnBrk="0" hangingPunct="1">
-        <a:defRPr sz="1350" kern="1200">
+      <a:lvl7pPr marL="1371600" algn="l" defTabSz="457200" rtl="0" eaLnBrk="1" latinLnBrk="0" hangingPunct="1">
+        <a:defRPr sz="900" kern="1200">
           <a:solidFill>
             <a:schemeClr val="tx1"/>
           </a:solidFill>
@@ -2885,8 +2885,8 @@
           <a:cs typeface="+mn-cs"/>
         </a:defRPr>
       </a:lvl7pPr>
-      <a:lvl8pPr marL="2400300" algn="l" defTabSz="685800" rtl="0" eaLnBrk="1" latinLnBrk="0" hangingPunct="1">
-        <a:defRPr sz="1350" kern="1200">
+      <a:lvl8pPr marL="1600200" algn="l" defTabSz="457200" rtl="0" eaLnBrk="1" latinLnBrk="0" hangingPunct="1">
+        <a:defRPr sz="900" kern="1200">
           <a:solidFill>
             <a:schemeClr val="tx1"/>
           </a:solidFill>
@@ -2895,8 +2895,8 @@
           <a:cs typeface="+mn-cs"/>
         </a:defRPr>
       </a:lvl8pPr>
-      <a:lvl9pPr marL="2743200" algn="l" defTabSz="685800" rtl="0" eaLnBrk="1" latinLnBrk="0" hangingPunct="1">
-        <a:defRPr sz="1350" kern="1200">
+      <a:lvl9pPr marL="1828800" algn="l" defTabSz="457200" rtl="0" eaLnBrk="1" latinLnBrk="0" hangingPunct="1">
+        <a:defRPr sz="900" kern="1200">
           <a:solidFill>
             <a:schemeClr val="tx1"/>
           </a:solidFill>
@@ -2935,7 +2935,7 @@
         </p:nvSpPr>
         <p:spPr>
           <a:xfrm>
-            <a:off x="1636710" y="6460330"/>
+            <a:off x="475781" y="7672817"/>
             <a:ext cx="3686176" cy="2257425"/>
           </a:xfrm>
           <a:prstGeom prst="roundRect">
@@ -2980,7 +2980,7 @@
             </p:nvSpPr>
             <p:spPr>
               <a:xfrm>
-                <a:off x="1808162" y="6591298"/>
+                <a:off x="665167" y="7803779"/>
                 <a:ext cx="528637" cy="1995488"/>
               </a:xfrm>
               <a:prstGeom prst="roundRect">
@@ -3018,7 +3018,7 @@
                       <m:sSub>
                         <m:sSubPr>
                           <m:ctrlPr>
-                            <a:rPr kumimoji="1" lang="en-US" altLang="zh-CN" b="0" i="1" smtClean="0">
+                            <a:rPr kumimoji="1" lang="en-US" altLang="zh-CN" i="1">
                               <a:solidFill>
                                 <a:schemeClr val="tx1"/>
                               </a:solidFill>
@@ -3028,7 +3028,7 @@
                         </m:sSubPr>
                         <m:e>
                           <m:r>
-                            <a:rPr kumimoji="1" lang="en-US" altLang="zh-CN" b="0" i="1" smtClean="0">
+                            <a:rPr kumimoji="1" lang="en-US" altLang="zh-CN" i="1">
                               <a:solidFill>
                                 <a:schemeClr val="tx1"/>
                               </a:solidFill>
@@ -3039,7 +3039,7 @@
                         </m:e>
                         <m:sub>
                           <m:r>
-                            <a:rPr kumimoji="1" lang="en-US" altLang="zh-CN" b="0" i="1" smtClean="0">
+                            <a:rPr kumimoji="1" lang="en-US" altLang="zh-CN" i="1">
                               <a:solidFill>
                                 <a:schemeClr val="tx1"/>
                               </a:solidFill>
@@ -3072,7 +3072,7 @@
             </p:nvSpPr>
             <p:spPr>
               <a:xfrm>
-                <a:off x="1808162" y="6591298"/>
+                <a:off x="665167" y="7803779"/>
                 <a:ext cx="528637" cy="1995488"/>
               </a:xfrm>
               <a:prstGeom prst="roundRect">
@@ -3108,8 +3108,8 @@
         </p:nvSpPr>
         <p:spPr>
           <a:xfrm>
-            <a:off x="1636710" y="5235844"/>
-            <a:ext cx="3686176" cy="528637"/>
+            <a:off x="475781" y="7039512"/>
+            <a:ext cx="3686176" cy="359753"/>
           </a:xfrm>
           <a:prstGeom prst="roundRect">
             <a:avLst/>
@@ -3138,115 +3138,14 @@
           <a:p>
             <a:pPr algn="ctr"/>
             <a:r>
-              <a:rPr kumimoji="1" lang="en-US" altLang="zh-CN" dirty="0" smtClean="0">
+              <a:rPr kumimoji="1" lang="en-US" altLang="zh-CN" dirty="0" err="1">
                 <a:solidFill>
                   <a:schemeClr val="tx1"/>
                 </a:solidFill>
               </a:rPr>
-              <a:t>Cross product</a:t>
-            </a:r>
-          </a:p>
-        </p:txBody>
-      </p:sp>
-      <p:sp>
-        <p:nvSpPr>
-          <p:cNvPr id="10" name="圆角矩形 9"/>
-          <p:cNvSpPr/>
-          <p:nvPr/>
-        </p:nvSpPr>
-        <p:spPr>
-          <a:xfrm>
-            <a:off x="2026045" y="451227"/>
-            <a:ext cx="2907508" cy="528637"/>
-          </a:xfrm>
-          <a:prstGeom prst="roundRect">
-            <a:avLst/>
-          </a:prstGeom>
-          <a:noFill/>
-        </p:spPr>
-        <p:style>
-          <a:lnRef idx="2">
-            <a:schemeClr val="accent1">
-              <a:shade val="50000"/>
-            </a:schemeClr>
-          </a:lnRef>
-          <a:fillRef idx="1">
-            <a:schemeClr val="accent1"/>
-          </a:fillRef>
-          <a:effectRef idx="0">
-            <a:schemeClr val="accent1"/>
-          </a:effectRef>
-          <a:fontRef idx="minor">
-            <a:schemeClr val="lt1"/>
-          </a:fontRef>
-        </p:style>
-        <p:txBody>
-          <a:bodyPr rtlCol="0" anchor="ctr"/>
-          <a:lstStyle/>
-          <a:p>
-            <a:pPr algn="ctr"/>
-            <a:r>
-              <a:rPr kumimoji="1" lang="en-US" altLang="zh-CN" dirty="0" smtClean="0">
-                <a:solidFill>
-                  <a:schemeClr val="tx1"/>
-                </a:solidFill>
-              </a:rPr>
-              <a:t>Linear</a:t>
-            </a:r>
-            <a:endParaRPr kumimoji="1" lang="zh-CN" altLang="en-US" dirty="0">
-              <a:solidFill>
-                <a:schemeClr val="tx1"/>
-              </a:solidFill>
-            </a:endParaRPr>
-          </a:p>
-        </p:txBody>
-      </p:sp>
-      <p:sp>
-        <p:nvSpPr>
-          <p:cNvPr id="12" name="圆角矩形 11"/>
-          <p:cNvSpPr/>
-          <p:nvPr/>
-        </p:nvSpPr>
-        <p:spPr>
-          <a:xfrm>
-            <a:off x="2860077" y="-1989547"/>
-            <a:ext cx="1239444" cy="528637"/>
-          </a:xfrm>
-          <a:prstGeom prst="roundRect">
-            <a:avLst/>
-          </a:prstGeom>
-          <a:noFill/>
-        </p:spPr>
-        <p:style>
-          <a:lnRef idx="2">
-            <a:schemeClr val="accent1">
-              <a:shade val="50000"/>
-            </a:schemeClr>
-          </a:lnRef>
-          <a:fillRef idx="1">
-            <a:schemeClr val="accent1"/>
-          </a:fillRef>
-          <a:effectRef idx="0">
-            <a:schemeClr val="accent1"/>
-          </a:effectRef>
-          <a:fontRef idx="minor">
-            <a:schemeClr val="lt1"/>
-          </a:fontRef>
-        </p:style>
-        <p:txBody>
-          <a:bodyPr rtlCol="0" anchor="ctr"/>
-          <a:lstStyle/>
-          <a:p>
-            <a:pPr algn="ctr"/>
-            <a:r>
-              <a:rPr kumimoji="1" lang="en-US" altLang="zh-CN" dirty="0" smtClean="0">
-                <a:solidFill>
-                  <a:schemeClr val="tx1"/>
-                </a:solidFill>
-              </a:rPr>
-              <a:t>Output</a:t>
-            </a:r>
-            <a:endParaRPr kumimoji="1" lang="zh-CN" altLang="en-US" dirty="0">
+              <a:t>BiLinear</a:t>
+            </a:r>
+            <a:endParaRPr kumimoji="1" lang="en-US" altLang="zh-CN" dirty="0">
               <a:solidFill>
                 <a:schemeClr val="tx1"/>
               </a:solidFill>
@@ -3264,7 +3163,7 @@
             </p:nvSpPr>
             <p:spPr>
               <a:xfrm>
-                <a:off x="2595758" y="6591298"/>
+                <a:off x="1452763" y="7803779"/>
                 <a:ext cx="528637" cy="1995488"/>
               </a:xfrm>
               <a:prstGeom prst="roundRect">
@@ -3302,7 +3201,7 @@
                       <m:sSub>
                         <m:sSubPr>
                           <m:ctrlPr>
-                            <a:rPr kumimoji="1" lang="en-US" altLang="zh-CN" b="0" i="1" smtClean="0">
+                            <a:rPr kumimoji="1" lang="en-US" altLang="zh-CN" i="1">
                               <a:solidFill>
                                 <a:schemeClr val="tx1"/>
                               </a:solidFill>
@@ -3312,7 +3211,7 @@
                         </m:sSubPr>
                         <m:e>
                           <m:r>
-                            <a:rPr kumimoji="1" lang="en-US" altLang="zh-CN" b="0" i="1" smtClean="0">
+                            <a:rPr kumimoji="1" lang="en-US" altLang="zh-CN" i="1">
                               <a:solidFill>
                                 <a:schemeClr val="tx1"/>
                               </a:solidFill>
@@ -3323,7 +3222,7 @@
                         </m:e>
                         <m:sub>
                           <m:r>
-                            <a:rPr kumimoji="1" lang="en-US" altLang="zh-CN" b="0" i="1" smtClean="0">
+                            <a:rPr kumimoji="1" lang="en-US" altLang="zh-CN" i="1">
                               <a:solidFill>
                                 <a:schemeClr val="tx1"/>
                               </a:solidFill>
@@ -3356,7 +3255,7 @@
             </p:nvSpPr>
             <p:spPr>
               <a:xfrm>
-                <a:off x="2595758" y="6591298"/>
+                <a:off x="1452763" y="7803779"/>
                 <a:ext cx="528637" cy="1995488"/>
               </a:xfrm>
               <a:prstGeom prst="roundRect">
@@ -3394,7 +3293,7 @@
             </p:nvSpPr>
             <p:spPr>
               <a:xfrm>
-                <a:off x="4619226" y="6591298"/>
+                <a:off x="3476232" y="7803779"/>
                 <a:ext cx="528637" cy="1995488"/>
               </a:xfrm>
               <a:prstGeom prst="roundRect">
@@ -3432,7 +3331,7 @@
                       <m:sSub>
                         <m:sSubPr>
                           <m:ctrlPr>
-                            <a:rPr kumimoji="1" lang="en-US" altLang="zh-CN" b="0" i="1" smtClean="0">
+                            <a:rPr kumimoji="1" lang="en-US" altLang="zh-CN" i="1">
                               <a:solidFill>
                                 <a:schemeClr val="tx1"/>
                               </a:solidFill>
@@ -3442,7 +3341,7 @@
                         </m:sSubPr>
                         <m:e>
                           <m:r>
-                            <a:rPr kumimoji="1" lang="en-US" altLang="zh-CN" b="0" i="1" smtClean="0">
+                            <a:rPr kumimoji="1" lang="en-US" altLang="zh-CN" i="1">
                               <a:solidFill>
                                 <a:schemeClr val="tx1"/>
                               </a:solidFill>
@@ -3453,7 +3352,7 @@
                         </m:e>
                         <m:sub>
                           <m:r>
-                            <a:rPr kumimoji="1" lang="en-US" altLang="zh-CN" b="0" i="1" smtClean="0">
+                            <a:rPr kumimoji="1" lang="en-US" altLang="zh-CN" i="1">
                               <a:solidFill>
                                 <a:schemeClr val="tx1"/>
                               </a:solidFill>
@@ -3486,7 +3385,7 @@
             </p:nvSpPr>
             <p:spPr>
               <a:xfrm>
-                <a:off x="4619226" y="6591298"/>
+                <a:off x="3476232" y="7803779"/>
                 <a:ext cx="528637" cy="1995488"/>
               </a:xfrm>
               <a:prstGeom prst="roundRect">
@@ -3516,75 +3415,6 @@
       </mc:AlternateContent>
       <p:cxnSp>
         <p:nvCxnSpPr>
-          <p:cNvPr id="21" name="直线箭头连接符 20"/>
-          <p:cNvCxnSpPr>
-            <a:stCxn id="31" idx="0"/>
-            <a:endCxn id="36" idx="2"/>
-          </p:cNvCxnSpPr>
-          <p:nvPr/>
-        </p:nvCxnSpPr>
-        <p:spPr>
-          <a:xfrm flipV="1">
-            <a:off x="3479798" y="3315509"/>
-            <a:ext cx="0" cy="695849"/>
-          </a:xfrm>
-          <a:prstGeom prst="straightConnector1">
-            <a:avLst/>
-          </a:prstGeom>
-          <a:ln>
-            <a:tailEnd type="triangle"/>
-          </a:ln>
-        </p:spPr>
-        <p:style>
-          <a:lnRef idx="1">
-            <a:schemeClr val="accent1"/>
-          </a:lnRef>
-          <a:fillRef idx="0">
-            <a:schemeClr val="accent1"/>
-          </a:fillRef>
-          <a:effectRef idx="0">
-            <a:schemeClr val="accent1"/>
-          </a:effectRef>
-          <a:fontRef idx="minor">
-            <a:schemeClr val="tx1"/>
-          </a:fontRef>
-        </p:style>
-      </p:cxnSp>
-      <p:cxnSp>
-        <p:nvCxnSpPr>
-          <p:cNvPr id="24" name="直线箭头连接符 23"/>
-          <p:cNvCxnSpPr/>
-          <p:nvPr/>
-        </p:nvCxnSpPr>
-        <p:spPr>
-          <a:xfrm flipV="1">
-            <a:off x="3479798" y="-1460910"/>
-            <a:ext cx="1" cy="691750"/>
-          </a:xfrm>
-          <a:prstGeom prst="straightConnector1">
-            <a:avLst/>
-          </a:prstGeom>
-          <a:ln>
-            <a:tailEnd type="triangle"/>
-          </a:ln>
-        </p:spPr>
-        <p:style>
-          <a:lnRef idx="1">
-            <a:schemeClr val="accent1"/>
-          </a:lnRef>
-          <a:fillRef idx="0">
-            <a:schemeClr val="accent1"/>
-          </a:fillRef>
-          <a:effectRef idx="0">
-            <a:schemeClr val="accent1"/>
-          </a:effectRef>
-          <a:fontRef idx="minor">
-            <a:schemeClr val="tx1"/>
-          </a:fontRef>
-        </p:style>
-      </p:cxnSp>
-      <p:cxnSp>
-        <p:nvCxnSpPr>
           <p:cNvPr id="27" name="直线箭头连接符 26"/>
           <p:cNvCxnSpPr>
             <a:stCxn id="4" idx="0"/>
@@ -3594,8 +3424,8 @@
         </p:nvCxnSpPr>
         <p:spPr>
           <a:xfrm flipV="1">
-            <a:off x="3479798" y="5764481"/>
-            <a:ext cx="0" cy="695849"/>
+            <a:off x="2318869" y="7399265"/>
+            <a:ext cx="0" cy="273552"/>
           </a:xfrm>
           <a:prstGeom prst="straightConnector1">
             <a:avLst/>
@@ -3627,8 +3457,8 @@
         </p:nvSpPr>
         <p:spPr>
           <a:xfrm>
-            <a:off x="1636710" y="4011358"/>
-            <a:ext cx="3686176" cy="528637"/>
+            <a:off x="481012" y="6409912"/>
+            <a:ext cx="3686176" cy="307688"/>
           </a:xfrm>
           <a:prstGeom prst="roundRect">
             <a:avLst/>
@@ -3657,7 +3487,7 @@
           <a:p>
             <a:pPr algn="ctr"/>
             <a:r>
-              <a:rPr kumimoji="1" lang="en-US" altLang="zh-CN" dirty="0" smtClean="0">
+              <a:rPr kumimoji="1" lang="en-US" altLang="zh-CN" dirty="0">
                 <a:solidFill>
                   <a:schemeClr val="tx1"/>
                 </a:solidFill>
@@ -3678,8 +3508,8 @@
         </p:nvCxnSpPr>
         <p:spPr>
           <a:xfrm flipV="1">
-            <a:off x="3479798" y="4539995"/>
-            <a:ext cx="0" cy="695849"/>
+            <a:off x="2318869" y="6717600"/>
+            <a:ext cx="5231" cy="321912"/>
           </a:xfrm>
           <a:prstGeom prst="straightConnector1">
             <a:avLst/>
@@ -3705,14 +3535,60 @@
       </p:cxnSp>
       <p:sp>
         <p:nvSpPr>
-          <p:cNvPr id="36" name="圆角矩形 35"/>
+          <p:cNvPr id="385" name="文本框 384"/>
+          <p:cNvSpPr txBox="1"/>
+          <p:nvPr/>
+        </p:nvSpPr>
+        <p:spPr>
+          <a:xfrm>
+            <a:off x="2295850" y="8509142"/>
+            <a:ext cx="683200" cy="584647"/>
+          </a:xfrm>
+          <a:prstGeom prst="rect">
+            <a:avLst/>
+          </a:prstGeom>
+          <a:noFill/>
+        </p:spPr>
+        <p:txBody>
+          <a:bodyPr wrap="none" rtlCol="0">
+            <a:spAutoFit/>
+          </a:bodyPr>
+          <a:lstStyle/>
+          <a:p>
+            <a:r>
+              <a:rPr kumimoji="1" lang="en-US" altLang="zh-CN" sz="3199" dirty="0"/>
+              <a:t>.</a:t>
+            </a:r>
+            <a:r>
+              <a:rPr kumimoji="1" lang="zh-CN" altLang="en-US" sz="3199" dirty="0"/>
+              <a:t> </a:t>
+            </a:r>
+            <a:r>
+              <a:rPr kumimoji="1" lang="en-US" altLang="zh-CN" sz="3199" dirty="0"/>
+              <a:t>.</a:t>
+            </a:r>
+            <a:r>
+              <a:rPr kumimoji="1" lang="zh-CN" altLang="en-US" sz="3199" dirty="0"/>
+              <a:t> </a:t>
+            </a:r>
+            <a:r>
+              <a:rPr kumimoji="1" lang="en-US" altLang="zh-CN" sz="3199" dirty="0"/>
+              <a:t>.</a:t>
+            </a:r>
+            <a:endParaRPr kumimoji="1" lang="zh-CN" altLang="en-US" sz="3199" dirty="0"/>
+          </a:p>
+        </p:txBody>
+      </p:sp>
+      <p:sp>
+        <p:nvSpPr>
+          <p:cNvPr id="30" name="圆角矩形 29"/>
           <p:cNvSpPr/>
           <p:nvPr/>
         </p:nvSpPr>
         <p:spPr>
           <a:xfrm>
-            <a:off x="1636710" y="2786872"/>
-            <a:ext cx="3686176" cy="528637"/>
+            <a:off x="481012" y="5837907"/>
+            <a:ext cx="3686176" cy="307688"/>
           </a:xfrm>
           <a:prstGeom prst="roundRect">
             <a:avLst/>
@@ -3741,26 +3617,31 @@
           <a:p>
             <a:pPr algn="ctr"/>
             <a:r>
-              <a:rPr kumimoji="1" lang="en-US" altLang="zh-CN" dirty="0" smtClean="0">
+              <a:rPr kumimoji="1" lang="en-US" altLang="zh-CN" dirty="0" err="1">
                 <a:solidFill>
                   <a:schemeClr val="tx1"/>
                 </a:solidFill>
               </a:rPr>
-              <a:t>Conv8</a:t>
-            </a:r>
-          </a:p>
-        </p:txBody>
-      </p:sp>
-      <p:sp>
-        <p:nvSpPr>
-          <p:cNvPr id="39" name="圆角矩形 38"/>
+              <a:t>BatchNorm</a:t>
+            </a:r>
+            <a:endParaRPr kumimoji="1" lang="en-US" altLang="zh-CN" dirty="0">
+              <a:solidFill>
+                <a:schemeClr val="tx1"/>
+              </a:solidFill>
+            </a:endParaRPr>
+          </a:p>
+        </p:txBody>
+      </p:sp>
+      <p:sp>
+        <p:nvSpPr>
+          <p:cNvPr id="34" name="圆角矩形 33"/>
           <p:cNvSpPr/>
           <p:nvPr/>
         </p:nvSpPr>
         <p:spPr>
           <a:xfrm>
-            <a:off x="1624012" y="1562386"/>
-            <a:ext cx="3686176" cy="528637"/>
+            <a:off x="481012" y="5222531"/>
+            <a:ext cx="3686176" cy="307688"/>
           </a:xfrm>
           <a:prstGeom prst="roundRect">
             <a:avLst/>
@@ -3789,29 +3670,448 @@
           <a:p>
             <a:pPr algn="ctr"/>
             <a:r>
+              <a:rPr kumimoji="1" lang="en-US" altLang="zh-CN" dirty="0" err="1">
+                <a:solidFill>
+                  <a:schemeClr val="tx1"/>
+                </a:solidFill>
+              </a:rPr>
+              <a:t>LeakyReLU</a:t>
+            </a:r>
+            <a:endParaRPr kumimoji="1" lang="en-US" altLang="zh-CN" dirty="0">
+              <a:solidFill>
+                <a:schemeClr val="tx1"/>
+              </a:solidFill>
+            </a:endParaRPr>
+          </a:p>
+        </p:txBody>
+      </p:sp>
+      <p:sp>
+        <p:nvSpPr>
+          <p:cNvPr id="40" name="圆角矩形 39"/>
+          <p:cNvSpPr/>
+          <p:nvPr/>
+        </p:nvSpPr>
+        <p:spPr>
+          <a:xfrm>
+            <a:off x="470690" y="4531936"/>
+            <a:ext cx="3686176" cy="307688"/>
+          </a:xfrm>
+          <a:prstGeom prst="roundRect">
+            <a:avLst/>
+          </a:prstGeom>
+          <a:noFill/>
+        </p:spPr>
+        <p:style>
+          <a:lnRef idx="2">
+            <a:schemeClr val="accent1">
+              <a:shade val="50000"/>
+            </a:schemeClr>
+          </a:lnRef>
+          <a:fillRef idx="1">
+            <a:schemeClr val="accent1"/>
+          </a:fillRef>
+          <a:effectRef idx="0">
+            <a:schemeClr val="accent1"/>
+          </a:effectRef>
+          <a:fontRef idx="minor">
+            <a:schemeClr val="lt1"/>
+          </a:fontRef>
+        </p:style>
+        <p:txBody>
+          <a:bodyPr rtlCol="0" anchor="ctr"/>
+          <a:lstStyle/>
+          <a:p>
+            <a:pPr algn="ctr"/>
+            <a:r>
+              <a:rPr kumimoji="1" lang="en-US" altLang="zh-CN" dirty="0">
+                <a:solidFill>
+                  <a:schemeClr val="tx1"/>
+                </a:solidFill>
+              </a:rPr>
+              <a:t>Conv4</a:t>
+            </a:r>
+          </a:p>
+        </p:txBody>
+      </p:sp>
+      <p:sp>
+        <p:nvSpPr>
+          <p:cNvPr id="41" name="圆角矩形 40"/>
+          <p:cNvSpPr/>
+          <p:nvPr/>
+        </p:nvSpPr>
+        <p:spPr>
+          <a:xfrm>
+            <a:off x="470690" y="3959930"/>
+            <a:ext cx="3686176" cy="307688"/>
+          </a:xfrm>
+          <a:prstGeom prst="roundRect">
+            <a:avLst/>
+          </a:prstGeom>
+          <a:noFill/>
+        </p:spPr>
+        <p:style>
+          <a:lnRef idx="2">
+            <a:schemeClr val="accent1">
+              <a:shade val="50000"/>
+            </a:schemeClr>
+          </a:lnRef>
+          <a:fillRef idx="1">
+            <a:schemeClr val="accent1"/>
+          </a:fillRef>
+          <a:effectRef idx="0">
+            <a:schemeClr val="accent1"/>
+          </a:effectRef>
+          <a:fontRef idx="minor">
+            <a:schemeClr val="lt1"/>
+          </a:fontRef>
+        </p:style>
+        <p:txBody>
+          <a:bodyPr rtlCol="0" anchor="ctr"/>
+          <a:lstStyle/>
+          <a:p>
+            <a:pPr algn="ctr"/>
+            <a:r>
+              <a:rPr kumimoji="1" lang="en-US" altLang="zh-CN" dirty="0" err="1">
+                <a:solidFill>
+                  <a:schemeClr val="tx1"/>
+                </a:solidFill>
+              </a:rPr>
+              <a:t>BatchNorm</a:t>
+            </a:r>
+            <a:endParaRPr kumimoji="1" lang="en-US" altLang="zh-CN" dirty="0">
+              <a:solidFill>
+                <a:schemeClr val="tx1"/>
+              </a:solidFill>
+            </a:endParaRPr>
+          </a:p>
+        </p:txBody>
+      </p:sp>
+      <p:sp>
+        <p:nvSpPr>
+          <p:cNvPr id="42" name="圆角矩形 41"/>
+          <p:cNvSpPr/>
+          <p:nvPr/>
+        </p:nvSpPr>
+        <p:spPr>
+          <a:xfrm>
+            <a:off x="470690" y="3344554"/>
+            <a:ext cx="3686176" cy="307688"/>
+          </a:xfrm>
+          <a:prstGeom prst="roundRect">
+            <a:avLst/>
+          </a:prstGeom>
+          <a:noFill/>
+        </p:spPr>
+        <p:style>
+          <a:lnRef idx="2">
+            <a:schemeClr val="accent1">
+              <a:shade val="50000"/>
+            </a:schemeClr>
+          </a:lnRef>
+          <a:fillRef idx="1">
+            <a:schemeClr val="accent1"/>
+          </a:fillRef>
+          <a:effectRef idx="0">
+            <a:schemeClr val="accent1"/>
+          </a:effectRef>
+          <a:fontRef idx="minor">
+            <a:schemeClr val="lt1"/>
+          </a:fontRef>
+        </p:style>
+        <p:txBody>
+          <a:bodyPr rtlCol="0" anchor="ctr"/>
+          <a:lstStyle/>
+          <a:p>
+            <a:pPr algn="ctr"/>
+            <a:r>
+              <a:rPr kumimoji="1" lang="en-US" altLang="zh-CN" dirty="0" err="1">
+                <a:solidFill>
+                  <a:schemeClr val="tx1"/>
+                </a:solidFill>
+              </a:rPr>
+              <a:t>LeakyReLU</a:t>
+            </a:r>
+            <a:endParaRPr kumimoji="1" lang="en-US" altLang="zh-CN" dirty="0">
+              <a:solidFill>
+                <a:schemeClr val="tx1"/>
+              </a:solidFill>
+            </a:endParaRPr>
+          </a:p>
+        </p:txBody>
+      </p:sp>
+      <p:sp>
+        <p:nvSpPr>
+          <p:cNvPr id="43" name="圆角矩形 42"/>
+          <p:cNvSpPr/>
+          <p:nvPr/>
+        </p:nvSpPr>
+        <p:spPr>
+          <a:xfrm>
+            <a:off x="481012" y="2617294"/>
+            <a:ext cx="3686176" cy="307688"/>
+          </a:xfrm>
+          <a:prstGeom prst="roundRect">
+            <a:avLst/>
+          </a:prstGeom>
+          <a:noFill/>
+        </p:spPr>
+        <p:style>
+          <a:lnRef idx="2">
+            <a:schemeClr val="accent1">
+              <a:shade val="50000"/>
+            </a:schemeClr>
+          </a:lnRef>
+          <a:fillRef idx="1">
+            <a:schemeClr val="accent1"/>
+          </a:fillRef>
+          <a:effectRef idx="0">
+            <a:schemeClr val="accent1"/>
+          </a:effectRef>
+          <a:fontRef idx="minor">
+            <a:schemeClr val="lt1"/>
+          </a:fontRef>
+        </p:style>
+        <p:txBody>
+          <a:bodyPr rtlCol="0" anchor="ctr"/>
+          <a:lstStyle/>
+          <a:p>
+            <a:pPr algn="ctr"/>
+            <a:r>
+              <a:rPr kumimoji="1" lang="en-US" altLang="zh-CN" dirty="0">
+                <a:solidFill>
+                  <a:schemeClr val="tx1"/>
+                </a:solidFill>
+              </a:rPr>
+              <a:t>Conv4</a:t>
+            </a:r>
+          </a:p>
+        </p:txBody>
+      </p:sp>
+      <p:sp>
+        <p:nvSpPr>
+          <p:cNvPr id="44" name="圆角矩形 43"/>
+          <p:cNvSpPr/>
+          <p:nvPr/>
+        </p:nvSpPr>
+        <p:spPr>
+          <a:xfrm>
+            <a:off x="481012" y="2045287"/>
+            <a:ext cx="3686176" cy="307688"/>
+          </a:xfrm>
+          <a:prstGeom prst="roundRect">
+            <a:avLst/>
+          </a:prstGeom>
+          <a:noFill/>
+        </p:spPr>
+        <p:style>
+          <a:lnRef idx="2">
+            <a:schemeClr val="accent1">
+              <a:shade val="50000"/>
+            </a:schemeClr>
+          </a:lnRef>
+          <a:fillRef idx="1">
+            <a:schemeClr val="accent1"/>
+          </a:fillRef>
+          <a:effectRef idx="0">
+            <a:schemeClr val="accent1"/>
+          </a:effectRef>
+          <a:fontRef idx="minor">
+            <a:schemeClr val="lt1"/>
+          </a:fontRef>
+        </p:style>
+        <p:txBody>
+          <a:bodyPr rtlCol="0" anchor="ctr"/>
+          <a:lstStyle/>
+          <a:p>
+            <a:pPr algn="ctr"/>
+            <a:r>
+              <a:rPr kumimoji="1" lang="en-US" altLang="zh-CN" dirty="0" err="1">
+                <a:solidFill>
+                  <a:schemeClr val="tx1"/>
+                </a:solidFill>
+              </a:rPr>
+              <a:t>BatchNorm</a:t>
+            </a:r>
+            <a:endParaRPr kumimoji="1" lang="en-US" altLang="zh-CN" dirty="0">
+              <a:solidFill>
+                <a:schemeClr val="tx1"/>
+              </a:solidFill>
+            </a:endParaRPr>
+          </a:p>
+        </p:txBody>
+      </p:sp>
+      <p:sp>
+        <p:nvSpPr>
+          <p:cNvPr id="45" name="圆角矩形 44"/>
+          <p:cNvSpPr/>
+          <p:nvPr/>
+        </p:nvSpPr>
+        <p:spPr>
+          <a:xfrm>
+            <a:off x="481012" y="1429912"/>
+            <a:ext cx="3686176" cy="307688"/>
+          </a:xfrm>
+          <a:prstGeom prst="roundRect">
+            <a:avLst/>
+          </a:prstGeom>
+          <a:noFill/>
+        </p:spPr>
+        <p:style>
+          <a:lnRef idx="2">
+            <a:schemeClr val="accent1">
+              <a:shade val="50000"/>
+            </a:schemeClr>
+          </a:lnRef>
+          <a:fillRef idx="1">
+            <a:schemeClr val="accent1"/>
+          </a:fillRef>
+          <a:effectRef idx="0">
+            <a:schemeClr val="accent1"/>
+          </a:effectRef>
+          <a:fontRef idx="minor">
+            <a:schemeClr val="lt1"/>
+          </a:fontRef>
+        </p:style>
+        <p:txBody>
+          <a:bodyPr rtlCol="0" anchor="ctr"/>
+          <a:lstStyle/>
+          <a:p>
+            <a:pPr algn="ctr"/>
+            <a:r>
+              <a:rPr kumimoji="1" lang="en-US" altLang="zh-CN" dirty="0" err="1">
+                <a:solidFill>
+                  <a:schemeClr val="tx1"/>
+                </a:solidFill>
+              </a:rPr>
+              <a:t>LeakyReLU</a:t>
+            </a:r>
+            <a:endParaRPr kumimoji="1" lang="en-US" altLang="zh-CN" dirty="0">
+              <a:solidFill>
+                <a:schemeClr val="tx1"/>
+              </a:solidFill>
+            </a:endParaRPr>
+          </a:p>
+        </p:txBody>
+      </p:sp>
+      <p:sp>
+        <p:nvSpPr>
+          <p:cNvPr id="49" name="圆角矩形 48"/>
+          <p:cNvSpPr/>
+          <p:nvPr/>
+        </p:nvSpPr>
+        <p:spPr>
+          <a:xfrm>
+            <a:off x="481012" y="899600"/>
+            <a:ext cx="3686176" cy="307688"/>
+          </a:xfrm>
+          <a:prstGeom prst="roundRect">
+            <a:avLst/>
+          </a:prstGeom>
+          <a:noFill/>
+        </p:spPr>
+        <p:style>
+          <a:lnRef idx="2">
+            <a:schemeClr val="accent1">
+              <a:shade val="50000"/>
+            </a:schemeClr>
+          </a:lnRef>
+          <a:fillRef idx="1">
+            <a:schemeClr val="accent1"/>
+          </a:fillRef>
+          <a:effectRef idx="0">
+            <a:schemeClr val="accent1"/>
+          </a:effectRef>
+          <a:fontRef idx="minor">
+            <a:schemeClr val="lt1"/>
+          </a:fontRef>
+        </p:style>
+        <p:txBody>
+          <a:bodyPr rtlCol="0" anchor="ctr"/>
+          <a:lstStyle/>
+          <a:p>
+            <a:pPr algn="ctr"/>
+            <a:r>
               <a:rPr kumimoji="1" lang="en-US" altLang="zh-CN" dirty="0" smtClean="0">
                 <a:solidFill>
                   <a:schemeClr val="tx1"/>
                 </a:solidFill>
               </a:rPr>
-              <a:t>Conv16</a:t>
-            </a:r>
+              <a:t>Linear</a:t>
+            </a:r>
+            <a:endParaRPr kumimoji="1" lang="en-US" altLang="zh-CN" dirty="0">
+              <a:solidFill>
+                <a:schemeClr val="tx1"/>
+              </a:solidFill>
+            </a:endParaRPr>
+          </a:p>
+        </p:txBody>
+      </p:sp>
+      <p:sp>
+        <p:nvSpPr>
+          <p:cNvPr id="51" name="圆角矩形 50"/>
+          <p:cNvSpPr/>
+          <p:nvPr/>
+        </p:nvSpPr>
+        <p:spPr>
+          <a:xfrm>
+            <a:off x="470690" y="279939"/>
+            <a:ext cx="3686176" cy="307688"/>
+          </a:xfrm>
+          <a:prstGeom prst="roundRect">
+            <a:avLst/>
+          </a:prstGeom>
+          <a:noFill/>
+        </p:spPr>
+        <p:style>
+          <a:lnRef idx="2">
+            <a:schemeClr val="accent1">
+              <a:shade val="50000"/>
+            </a:schemeClr>
+          </a:lnRef>
+          <a:fillRef idx="1">
+            <a:schemeClr val="accent1"/>
+          </a:fillRef>
+          <a:effectRef idx="0">
+            <a:schemeClr val="accent1"/>
+          </a:effectRef>
+          <a:fontRef idx="minor">
+            <a:schemeClr val="lt1"/>
+          </a:fontRef>
+        </p:style>
+        <p:txBody>
+          <a:bodyPr rtlCol="0" anchor="ctr"/>
+          <a:lstStyle/>
+          <a:p>
+            <a:pPr algn="ctr"/>
+            <a:r>
+              <a:rPr kumimoji="1" lang="en-US" altLang="zh-CN" dirty="0" smtClean="0">
+                <a:solidFill>
+                  <a:schemeClr val="tx1"/>
+                </a:solidFill>
+              </a:rPr>
+              <a:t>Sigmoid</a:t>
+            </a:r>
+            <a:endParaRPr kumimoji="1" lang="en-US" altLang="zh-CN" dirty="0">
+              <a:solidFill>
+                <a:schemeClr val="tx1"/>
+              </a:solidFill>
+            </a:endParaRPr>
           </a:p>
         </p:txBody>
       </p:sp>
       <p:cxnSp>
         <p:nvCxnSpPr>
-          <p:cNvPr id="382" name="直线箭头连接符 381"/>
+          <p:cNvPr id="53" name="直线箭头连接符 52"/>
           <p:cNvCxnSpPr>
-            <a:stCxn id="36" idx="0"/>
-            <a:endCxn id="39" idx="2"/>
+            <a:stCxn id="31" idx="0"/>
+            <a:endCxn id="30" idx="2"/>
           </p:cNvCxnSpPr>
           <p:nvPr/>
         </p:nvCxnSpPr>
         <p:spPr>
-          <a:xfrm flipH="1" flipV="1">
-            <a:off x="3467100" y="2091023"/>
-            <a:ext cx="12698" cy="695849"/>
+          <a:xfrm flipV="1">
+            <a:off x="2324100" y="6145595"/>
+            <a:ext cx="0" cy="264317"/>
           </a:xfrm>
           <a:prstGeom prst="straightConnector1">
             <a:avLst/>
@@ -3835,52 +4135,329 @@
           </a:fontRef>
         </p:style>
       </p:cxnSp>
-      <p:sp>
-        <p:nvSpPr>
-          <p:cNvPr id="385" name="文本框 384"/>
-          <p:cNvSpPr txBox="1"/>
+      <p:cxnSp>
+        <p:nvCxnSpPr>
+          <p:cNvPr id="56" name="直线箭头连接符 55"/>
+          <p:cNvCxnSpPr>
+            <a:stCxn id="30" idx="0"/>
+            <a:endCxn id="34" idx="2"/>
+          </p:cNvCxnSpPr>
           <p:nvPr/>
-        </p:nvSpPr>
-        <p:spPr>
-          <a:xfrm>
-            <a:off x="3438849" y="7296655"/>
-            <a:ext cx="683200" cy="584775"/>
-          </a:xfrm>
-          <a:prstGeom prst="rect">
+        </p:nvCxnSpPr>
+        <p:spPr>
+          <a:xfrm flipV="1">
+            <a:off x="2324100" y="5530219"/>
+            <a:ext cx="0" cy="307688"/>
+          </a:xfrm>
+          <a:prstGeom prst="straightConnector1">
             <a:avLst/>
           </a:prstGeom>
-          <a:noFill/>
-        </p:spPr>
-        <p:txBody>
-          <a:bodyPr wrap="none" rtlCol="0">
-            <a:spAutoFit/>
-          </a:bodyPr>
-          <a:lstStyle/>
-          <a:p>
-            <a:r>
-              <a:rPr kumimoji="1" lang="en-US" altLang="zh-CN" sz="3200" dirty="0" smtClean="0"/>
-              <a:t>.</a:t>
-            </a:r>
-            <a:r>
-              <a:rPr kumimoji="1" lang="zh-CN" altLang="en-US" sz="3200" dirty="0" smtClean="0"/>
-              <a:t> </a:t>
-            </a:r>
-            <a:r>
-              <a:rPr kumimoji="1" lang="en-US" altLang="zh-CN" sz="3200" dirty="0" smtClean="0"/>
-              <a:t>.</a:t>
-            </a:r>
-            <a:r>
-              <a:rPr kumimoji="1" lang="zh-CN" altLang="en-US" sz="3200" dirty="0" smtClean="0"/>
-              <a:t> </a:t>
-            </a:r>
-            <a:r>
-              <a:rPr kumimoji="1" lang="en-US" altLang="zh-CN" sz="3200" dirty="0" smtClean="0"/>
-              <a:t>.</a:t>
-            </a:r>
-            <a:endParaRPr kumimoji="1" lang="zh-CN" altLang="en-US" sz="3200" dirty="0"/>
-          </a:p>
-        </p:txBody>
-      </p:sp>
+          <a:ln>
+            <a:tailEnd type="triangle"/>
+          </a:ln>
+        </p:spPr>
+        <p:style>
+          <a:lnRef idx="1">
+            <a:schemeClr val="accent1"/>
+          </a:lnRef>
+          <a:fillRef idx="0">
+            <a:schemeClr val="accent1"/>
+          </a:fillRef>
+          <a:effectRef idx="0">
+            <a:schemeClr val="accent1"/>
+          </a:effectRef>
+          <a:fontRef idx="minor">
+            <a:schemeClr val="tx1"/>
+          </a:fontRef>
+        </p:style>
+      </p:cxnSp>
+      <p:cxnSp>
+        <p:nvCxnSpPr>
+          <p:cNvPr id="61" name="直线箭头连接符 60"/>
+          <p:cNvCxnSpPr>
+            <a:stCxn id="34" idx="0"/>
+            <a:endCxn id="40" idx="2"/>
+          </p:cNvCxnSpPr>
+          <p:nvPr/>
+        </p:nvCxnSpPr>
+        <p:spPr>
+          <a:xfrm flipH="1" flipV="1">
+            <a:off x="2313778" y="4839624"/>
+            <a:ext cx="10322" cy="382907"/>
+          </a:xfrm>
+          <a:prstGeom prst="straightConnector1">
+            <a:avLst/>
+          </a:prstGeom>
+          <a:ln>
+            <a:tailEnd type="triangle"/>
+          </a:ln>
+        </p:spPr>
+        <p:style>
+          <a:lnRef idx="1">
+            <a:schemeClr val="accent1"/>
+          </a:lnRef>
+          <a:fillRef idx="0">
+            <a:schemeClr val="accent1"/>
+          </a:fillRef>
+          <a:effectRef idx="0">
+            <a:schemeClr val="accent1"/>
+          </a:effectRef>
+          <a:fontRef idx="minor">
+            <a:schemeClr val="tx1"/>
+          </a:fontRef>
+        </p:style>
+      </p:cxnSp>
+      <p:cxnSp>
+        <p:nvCxnSpPr>
+          <p:cNvPr id="65" name="直线箭头连接符 64"/>
+          <p:cNvCxnSpPr>
+            <a:stCxn id="41" idx="0"/>
+            <a:endCxn id="42" idx="2"/>
+          </p:cNvCxnSpPr>
+          <p:nvPr/>
+        </p:nvCxnSpPr>
+        <p:spPr>
+          <a:xfrm flipV="1">
+            <a:off x="2313778" y="3652242"/>
+            <a:ext cx="0" cy="307688"/>
+          </a:xfrm>
+          <a:prstGeom prst="straightConnector1">
+            <a:avLst/>
+          </a:prstGeom>
+          <a:ln>
+            <a:tailEnd type="triangle"/>
+          </a:ln>
+        </p:spPr>
+        <p:style>
+          <a:lnRef idx="1">
+            <a:schemeClr val="accent1"/>
+          </a:lnRef>
+          <a:fillRef idx="0">
+            <a:schemeClr val="accent1"/>
+          </a:fillRef>
+          <a:effectRef idx="0">
+            <a:schemeClr val="accent1"/>
+          </a:effectRef>
+          <a:fontRef idx="minor">
+            <a:schemeClr val="tx1"/>
+          </a:fontRef>
+        </p:style>
+      </p:cxnSp>
+      <p:cxnSp>
+        <p:nvCxnSpPr>
+          <p:cNvPr id="69" name="直线箭头连接符 68"/>
+          <p:cNvCxnSpPr>
+            <a:stCxn id="40" idx="0"/>
+            <a:endCxn id="41" idx="2"/>
+          </p:cNvCxnSpPr>
+          <p:nvPr/>
+        </p:nvCxnSpPr>
+        <p:spPr>
+          <a:xfrm flipV="1">
+            <a:off x="2313778" y="4267618"/>
+            <a:ext cx="0" cy="264318"/>
+          </a:xfrm>
+          <a:prstGeom prst="straightConnector1">
+            <a:avLst/>
+          </a:prstGeom>
+          <a:ln>
+            <a:tailEnd type="triangle"/>
+          </a:ln>
+        </p:spPr>
+        <p:style>
+          <a:lnRef idx="1">
+            <a:schemeClr val="accent1"/>
+          </a:lnRef>
+          <a:fillRef idx="0">
+            <a:schemeClr val="accent1"/>
+          </a:fillRef>
+          <a:effectRef idx="0">
+            <a:schemeClr val="accent1"/>
+          </a:effectRef>
+          <a:fontRef idx="minor">
+            <a:schemeClr val="tx1"/>
+          </a:fontRef>
+        </p:style>
+      </p:cxnSp>
+      <p:cxnSp>
+        <p:nvCxnSpPr>
+          <p:cNvPr id="73" name="直线箭头连接符 72"/>
+          <p:cNvCxnSpPr>
+            <a:stCxn id="43" idx="0"/>
+            <a:endCxn id="44" idx="2"/>
+          </p:cNvCxnSpPr>
+          <p:nvPr/>
+        </p:nvCxnSpPr>
+        <p:spPr>
+          <a:xfrm flipV="1">
+            <a:off x="2324100" y="2352975"/>
+            <a:ext cx="0" cy="264319"/>
+          </a:xfrm>
+          <a:prstGeom prst="straightConnector1">
+            <a:avLst/>
+          </a:prstGeom>
+          <a:ln>
+            <a:tailEnd type="triangle"/>
+          </a:ln>
+        </p:spPr>
+        <p:style>
+          <a:lnRef idx="1">
+            <a:schemeClr val="accent1"/>
+          </a:lnRef>
+          <a:fillRef idx="0">
+            <a:schemeClr val="accent1"/>
+          </a:fillRef>
+          <a:effectRef idx="0">
+            <a:schemeClr val="accent1"/>
+          </a:effectRef>
+          <a:fontRef idx="minor">
+            <a:schemeClr val="tx1"/>
+          </a:fontRef>
+        </p:style>
+      </p:cxnSp>
+      <p:cxnSp>
+        <p:nvCxnSpPr>
+          <p:cNvPr id="76" name="直线箭头连接符 75"/>
+          <p:cNvCxnSpPr>
+            <a:stCxn id="42" idx="0"/>
+            <a:endCxn id="43" idx="2"/>
+          </p:cNvCxnSpPr>
+          <p:nvPr/>
+        </p:nvCxnSpPr>
+        <p:spPr>
+          <a:xfrm flipV="1">
+            <a:off x="2313778" y="2924982"/>
+            <a:ext cx="10322" cy="419572"/>
+          </a:xfrm>
+          <a:prstGeom prst="straightConnector1">
+            <a:avLst/>
+          </a:prstGeom>
+          <a:ln>
+            <a:tailEnd type="triangle"/>
+          </a:ln>
+        </p:spPr>
+        <p:style>
+          <a:lnRef idx="1">
+            <a:schemeClr val="accent1"/>
+          </a:lnRef>
+          <a:fillRef idx="0">
+            <a:schemeClr val="accent1"/>
+          </a:fillRef>
+          <a:effectRef idx="0">
+            <a:schemeClr val="accent1"/>
+          </a:effectRef>
+          <a:fontRef idx="minor">
+            <a:schemeClr val="tx1"/>
+          </a:fontRef>
+        </p:style>
+      </p:cxnSp>
+      <p:cxnSp>
+        <p:nvCxnSpPr>
+          <p:cNvPr id="81" name="直线箭头连接符 80"/>
+          <p:cNvCxnSpPr>
+            <a:stCxn id="44" idx="0"/>
+            <a:endCxn id="45" idx="2"/>
+          </p:cNvCxnSpPr>
+          <p:nvPr/>
+        </p:nvCxnSpPr>
+        <p:spPr>
+          <a:xfrm flipV="1">
+            <a:off x="2324100" y="1737600"/>
+            <a:ext cx="0" cy="307687"/>
+          </a:xfrm>
+          <a:prstGeom prst="straightConnector1">
+            <a:avLst/>
+          </a:prstGeom>
+          <a:ln>
+            <a:tailEnd type="triangle"/>
+          </a:ln>
+        </p:spPr>
+        <p:style>
+          <a:lnRef idx="1">
+            <a:schemeClr val="accent1"/>
+          </a:lnRef>
+          <a:fillRef idx="0">
+            <a:schemeClr val="accent1"/>
+          </a:fillRef>
+          <a:effectRef idx="0">
+            <a:schemeClr val="accent1"/>
+          </a:effectRef>
+          <a:fontRef idx="minor">
+            <a:schemeClr val="tx1"/>
+          </a:fontRef>
+        </p:style>
+      </p:cxnSp>
+      <p:cxnSp>
+        <p:nvCxnSpPr>
+          <p:cNvPr id="84" name="直线箭头连接符 83"/>
+          <p:cNvCxnSpPr>
+            <a:stCxn id="45" idx="0"/>
+            <a:endCxn id="49" idx="2"/>
+          </p:cNvCxnSpPr>
+          <p:nvPr/>
+        </p:nvCxnSpPr>
+        <p:spPr>
+          <a:xfrm flipV="1">
+            <a:off x="2324100" y="1207288"/>
+            <a:ext cx="0" cy="222624"/>
+          </a:xfrm>
+          <a:prstGeom prst="straightConnector1">
+            <a:avLst/>
+          </a:prstGeom>
+          <a:ln>
+            <a:tailEnd type="triangle"/>
+          </a:ln>
+        </p:spPr>
+        <p:style>
+          <a:lnRef idx="1">
+            <a:schemeClr val="accent1"/>
+          </a:lnRef>
+          <a:fillRef idx="0">
+            <a:schemeClr val="accent1"/>
+          </a:fillRef>
+          <a:effectRef idx="0">
+            <a:schemeClr val="accent1"/>
+          </a:effectRef>
+          <a:fontRef idx="minor">
+            <a:schemeClr val="tx1"/>
+          </a:fontRef>
+        </p:style>
+      </p:cxnSp>
+      <p:cxnSp>
+        <p:nvCxnSpPr>
+          <p:cNvPr id="88" name="直线箭头连接符 87"/>
+          <p:cNvCxnSpPr>
+            <a:endCxn id="51" idx="2"/>
+          </p:cNvCxnSpPr>
+          <p:nvPr/>
+        </p:nvCxnSpPr>
+        <p:spPr>
+          <a:xfrm flipV="1">
+            <a:off x="2295850" y="587627"/>
+            <a:ext cx="17928" cy="382907"/>
+          </a:xfrm>
+          <a:prstGeom prst="straightConnector1">
+            <a:avLst/>
+          </a:prstGeom>
+          <a:ln>
+            <a:tailEnd type="triangle"/>
+          </a:ln>
+        </p:spPr>
+        <p:style>
+          <a:lnRef idx="1">
+            <a:schemeClr val="accent1"/>
+          </a:lnRef>
+          <a:fillRef idx="0">
+            <a:schemeClr val="accent1"/>
+          </a:fillRef>
+          <a:effectRef idx="0">
+            <a:schemeClr val="accent1"/>
+          </a:effectRef>
+          <a:fontRef idx="minor">
+            <a:schemeClr val="tx1"/>
+          </a:fontRef>
+        </p:style>
+      </p:cxnSp>
     </p:spTree>
     <p:extLst>
       <p:ext uri="{BB962C8B-B14F-4D97-AF65-F5344CB8AC3E}">
